--- a/plots/cytoscape/Presentation1.pptx
+++ b/plots/cytoscape/Presentation1.pptx
@@ -104,6 +104,11 @@
       </a:defRPr>
     </a:lvl9pPr>
   </p:defaultTextStyle>
+  <p:extLst>
+    <p:ext uri="{EFAFB233-063F-42B5-8137-9DF3F51BA10A}">
+      <p15:sldGuideLst xmlns:p15="http://schemas.microsoft.com/office/powerpoint/2012/main"/>
+    </p:ext>
+  </p:extLst>
 </p:presentation>
 </file>
 
@@ -238,7 +243,7 @@
           <a:p>
             <a:fld id="{610400A7-7F48-4CEA-92B4-0288C6D1B69F}" type="datetimeFigureOut">
               <a:rPr lang="en-US" smtClean="0"/>
-              <a:t>1/22/2018</a:t>
+              <a:t>1/28/2018</a:t>
             </a:fld>
             <a:endParaRPr lang="en-US"/>
           </a:p>
@@ -408,7 +413,7 @@
           <a:p>
             <a:fld id="{610400A7-7F48-4CEA-92B4-0288C6D1B69F}" type="datetimeFigureOut">
               <a:rPr lang="en-US" smtClean="0"/>
-              <a:t>1/22/2018</a:t>
+              <a:t>1/28/2018</a:t>
             </a:fld>
             <a:endParaRPr lang="en-US"/>
           </a:p>
@@ -588,7 +593,7 @@
           <a:p>
             <a:fld id="{610400A7-7F48-4CEA-92B4-0288C6D1B69F}" type="datetimeFigureOut">
               <a:rPr lang="en-US" smtClean="0"/>
-              <a:t>1/22/2018</a:t>
+              <a:t>1/28/2018</a:t>
             </a:fld>
             <a:endParaRPr lang="en-US"/>
           </a:p>
@@ -758,7 +763,7 @@
           <a:p>
             <a:fld id="{610400A7-7F48-4CEA-92B4-0288C6D1B69F}" type="datetimeFigureOut">
               <a:rPr lang="en-US" smtClean="0"/>
-              <a:t>1/22/2018</a:t>
+              <a:t>1/28/2018</a:t>
             </a:fld>
             <a:endParaRPr lang="en-US"/>
           </a:p>
@@ -1004,7 +1009,7 @@
           <a:p>
             <a:fld id="{610400A7-7F48-4CEA-92B4-0288C6D1B69F}" type="datetimeFigureOut">
               <a:rPr lang="en-US" smtClean="0"/>
-              <a:t>1/22/2018</a:t>
+              <a:t>1/28/2018</a:t>
             </a:fld>
             <a:endParaRPr lang="en-US"/>
           </a:p>
@@ -1236,7 +1241,7 @@
           <a:p>
             <a:fld id="{610400A7-7F48-4CEA-92B4-0288C6D1B69F}" type="datetimeFigureOut">
               <a:rPr lang="en-US" smtClean="0"/>
-              <a:t>1/22/2018</a:t>
+              <a:t>1/28/2018</a:t>
             </a:fld>
             <a:endParaRPr lang="en-US"/>
           </a:p>
@@ -1603,7 +1608,7 @@
           <a:p>
             <a:fld id="{610400A7-7F48-4CEA-92B4-0288C6D1B69F}" type="datetimeFigureOut">
               <a:rPr lang="en-US" smtClean="0"/>
-              <a:t>1/22/2018</a:t>
+              <a:t>1/28/2018</a:t>
             </a:fld>
             <a:endParaRPr lang="en-US"/>
           </a:p>
@@ -1721,7 +1726,7 @@
           <a:p>
             <a:fld id="{610400A7-7F48-4CEA-92B4-0288C6D1B69F}" type="datetimeFigureOut">
               <a:rPr lang="en-US" smtClean="0"/>
-              <a:t>1/22/2018</a:t>
+              <a:t>1/28/2018</a:t>
             </a:fld>
             <a:endParaRPr lang="en-US"/>
           </a:p>
@@ -1816,7 +1821,7 @@
           <a:p>
             <a:fld id="{610400A7-7F48-4CEA-92B4-0288C6D1B69F}" type="datetimeFigureOut">
               <a:rPr lang="en-US" smtClean="0"/>
-              <a:t>1/22/2018</a:t>
+              <a:t>1/28/2018</a:t>
             </a:fld>
             <a:endParaRPr lang="en-US"/>
           </a:p>
@@ -2093,7 +2098,7 @@
           <a:p>
             <a:fld id="{610400A7-7F48-4CEA-92B4-0288C6D1B69F}" type="datetimeFigureOut">
               <a:rPr lang="en-US" smtClean="0"/>
-              <a:t>1/22/2018</a:t>
+              <a:t>1/28/2018</a:t>
             </a:fld>
             <a:endParaRPr lang="en-US"/>
           </a:p>
@@ -2350,7 +2355,7 @@
           <a:p>
             <a:fld id="{610400A7-7F48-4CEA-92B4-0288C6D1B69F}" type="datetimeFigureOut">
               <a:rPr lang="en-US" smtClean="0"/>
-              <a:t>1/22/2018</a:t>
+              <a:t>1/28/2018</a:t>
             </a:fld>
             <a:endParaRPr lang="en-US"/>
           </a:p>
@@ -2563,7 +2568,7 @@
           <a:p>
             <a:fld id="{610400A7-7F48-4CEA-92B4-0288C6D1B69F}" type="datetimeFigureOut">
               <a:rPr lang="en-US" smtClean="0"/>
-              <a:t>1/22/2018</a:t>
+              <a:t>1/28/2018</a:t>
             </a:fld>
             <a:endParaRPr lang="en-US"/>
           </a:p>
@@ -3147,8 +3152,8 @@
         </p:nvSpPr>
         <p:spPr>
           <a:xfrm>
-            <a:off x="15247170" y="774313"/>
-            <a:ext cx="2514755" cy="969496"/>
+            <a:off x="15209320" y="2909649"/>
+            <a:ext cx="2614666" cy="707886"/>
           </a:xfrm>
           <a:prstGeom prst="rect">
             <a:avLst/>
@@ -3168,20 +3173,13 @@
           </a:p>
           <a:p>
             <a:r>
-              <a:rPr lang="en-US" dirty="0" smtClean="0">
+              <a:rPr lang="en-US" sz="1900" dirty="0" smtClean="0">
                 <a:latin typeface="Arial" panose="020B0604020202020204" pitchFamily="34" charset="0"/>
                 <a:cs typeface="Arial" panose="020B0604020202020204" pitchFamily="34" charset="0"/>
               </a:rPr>
-              <a:t>Attack classification – </a:t>
-            </a:r>
-            <a:r>
-              <a:rPr lang="en-US" b="1" dirty="0" smtClean="0">
-                <a:latin typeface="Arial" panose="020B0604020202020204" pitchFamily="34" charset="0"/>
-                <a:cs typeface="Arial" panose="020B0604020202020204" pitchFamily="34" charset="0"/>
-              </a:rPr>
-              <a:t>predictive analysis</a:t>
-            </a:r>
-            <a:endParaRPr lang="en-US" b="1" dirty="0">
+              <a:t>Daily attack prediction</a:t>
+            </a:r>
+            <a:endParaRPr lang="en-US" sz="1900" b="1" dirty="0">
               <a:latin typeface="Arial" panose="020B0604020202020204" pitchFamily="34" charset="0"/>
               <a:cs typeface="Arial" panose="020B0604020202020204" pitchFamily="34" charset="0"/>
             </a:endParaRPr>
@@ -3196,8 +3194,8 @@
         </p:nvSpPr>
         <p:spPr>
           <a:xfrm>
-            <a:off x="10957532" y="485549"/>
-            <a:ext cx="2554394" cy="369332"/>
+            <a:off x="11164162" y="485549"/>
+            <a:ext cx="2554394" cy="384721"/>
           </a:xfrm>
           <a:prstGeom prst="rect">
             <a:avLst/>
@@ -3211,7 +3209,7 @@
           <a:lstStyle/>
           <a:p>
             <a:r>
-              <a:rPr lang="en-US" dirty="0">
+              <a:rPr lang="en-US" sz="1900" dirty="0">
                 <a:latin typeface="Arial" panose="020B0604020202020204" pitchFamily="34" charset="0"/>
                 <a:cs typeface="Arial" panose="020B0604020202020204" pitchFamily="34" charset="0"/>
               </a:rPr>
@@ -3279,8 +3277,8 @@
         </p:nvSpPr>
         <p:spPr>
           <a:xfrm>
-            <a:off x="11497062" y="3381848"/>
-            <a:ext cx="2033223" cy="338554"/>
+            <a:off x="11506636" y="3297901"/>
+            <a:ext cx="2033223" cy="584775"/>
           </a:xfrm>
           <a:prstGeom prst="rect">
             <a:avLst/>
@@ -3294,12 +3292,32 @@
           <a:lstStyle/>
           <a:p>
             <a:r>
-              <a:rPr lang="en-US" sz="1600" dirty="0">
+              <a:rPr lang="en-US" sz="1600" b="1" dirty="0">
                 <a:latin typeface="Arial" panose="020B0604020202020204" pitchFamily="34" charset="0"/>
                 <a:cs typeface="Arial" panose="020B0604020202020204" pitchFamily="34" charset="0"/>
               </a:rPr>
-              <a:t>Attack labels</a:t>
-            </a:r>
+              <a:t>Attack </a:t>
+            </a:r>
+            <a:r>
+              <a:rPr lang="en-US" sz="1600" b="1" dirty="0" smtClean="0">
+                <a:latin typeface="Arial" panose="020B0604020202020204" pitchFamily="34" charset="0"/>
+                <a:cs typeface="Arial" panose="020B0604020202020204" pitchFamily="34" charset="0"/>
+              </a:rPr>
+              <a:t>labels</a:t>
+            </a:r>
+          </a:p>
+          <a:p>
+            <a:r>
+              <a:rPr lang="en-US" sz="1600" b="1" dirty="0" smtClean="0">
+                <a:latin typeface="Arial" panose="020B0604020202020204" pitchFamily="34" charset="0"/>
+                <a:cs typeface="Arial" panose="020B0604020202020204" pitchFamily="34" charset="0"/>
+              </a:rPr>
+              <a:t>      (GT)</a:t>
+            </a:r>
+            <a:endParaRPr lang="en-US" sz="1600" b="1" dirty="0">
+              <a:latin typeface="Arial" panose="020B0604020202020204" pitchFamily="34" charset="0"/>
+              <a:cs typeface="Arial" panose="020B0604020202020204" pitchFamily="34" charset="0"/>
+            </a:endParaRPr>
           </a:p>
         </p:txBody>
       </p:sp>
@@ -3312,7 +3330,7 @@
         <p:spPr>
           <a:xfrm>
             <a:off x="11231828" y="6292083"/>
-            <a:ext cx="2702589" cy="369332"/>
+            <a:ext cx="2702589" cy="384721"/>
           </a:xfrm>
           <a:prstGeom prst="rect">
             <a:avLst/>
@@ -3326,12 +3344,16 @@
           <a:lstStyle/>
           <a:p>
             <a:r>
-              <a:rPr lang="en-US" dirty="0">
+              <a:rPr lang="en-US" sz="1900" dirty="0" smtClean="0">
                 <a:latin typeface="Arial" panose="020B0604020202020204" pitchFamily="34" charset="0"/>
                 <a:cs typeface="Arial" panose="020B0604020202020204" pitchFamily="34" charset="0"/>
               </a:rPr>
               <a:t>Unsupervised Model</a:t>
             </a:r>
+            <a:endParaRPr lang="en-US" sz="1900" dirty="0">
+              <a:latin typeface="Arial" panose="020B0604020202020204" pitchFamily="34" charset="0"/>
+              <a:cs typeface="Arial" panose="020B0604020202020204" pitchFamily="34" charset="0"/>
+            </a:endParaRPr>
           </a:p>
         </p:txBody>
       </p:sp>
@@ -3394,8 +3416,8 @@
         </p:nvSpPr>
         <p:spPr>
           <a:xfrm>
-            <a:off x="15163275" y="733249"/>
-            <a:ext cx="2534913" cy="1393339"/>
+            <a:off x="15186344" y="3003596"/>
+            <a:ext cx="2534913" cy="841734"/>
           </a:xfrm>
           <a:prstGeom prst="roundRect">
             <a:avLst/>
@@ -3439,14 +3461,14 @@
       </p:sp>
       <p:sp>
         <p:nvSpPr>
-          <p:cNvPr id="42" name="Rounded Rectangle 41"/>
+          <p:cNvPr id="43" name="Rounded Rectangle 42"/>
           <p:cNvSpPr/>
           <p:nvPr/>
         </p:nvSpPr>
         <p:spPr>
           <a:xfrm>
-            <a:off x="15133109" y="5069457"/>
-            <a:ext cx="2534913" cy="1393339"/>
+            <a:off x="15180933" y="718237"/>
+            <a:ext cx="2396852" cy="846863"/>
           </a:xfrm>
           <a:prstGeom prst="roundRect">
             <a:avLst/>
@@ -3490,64 +3512,13 @@
       </p:sp>
       <p:sp>
         <p:nvSpPr>
-          <p:cNvPr id="43" name="Rounded Rectangle 42"/>
-          <p:cNvSpPr/>
-          <p:nvPr/>
-        </p:nvSpPr>
-        <p:spPr>
-          <a:xfrm>
-            <a:off x="15301336" y="3174591"/>
-            <a:ext cx="2396852" cy="846863"/>
-          </a:xfrm>
-          <a:prstGeom prst="roundRect">
-            <a:avLst/>
-          </a:prstGeom>
-          <a:noFill/>
-          <a:ln>
-            <a:solidFill>
-              <a:schemeClr val="tx1"/>
-            </a:solidFill>
-          </a:ln>
-        </p:spPr>
-        <p:style>
-          <a:lnRef idx="2">
-            <a:schemeClr val="dk1">
-              <a:shade val="50000"/>
-            </a:schemeClr>
-          </a:lnRef>
-          <a:fillRef idx="1">
-            <a:schemeClr val="dk1"/>
-          </a:fillRef>
-          <a:effectRef idx="0">
-            <a:schemeClr val="dk1"/>
-          </a:effectRef>
-          <a:fontRef idx="minor">
-            <a:schemeClr val="lt1"/>
-          </a:fontRef>
-        </p:style>
-        <p:txBody>
-          <a:bodyPr rot="0" spcFirstLastPara="0" vertOverflow="overflow" horzOverflow="overflow" vert="horz" wrap="square" lIns="137160" tIns="68580" rIns="137160" bIns="68580" numCol="1" spcCol="0" rtlCol="0" fromWordArt="0" anchor="ctr" anchorCtr="0" forceAA="0" compatLnSpc="1">
-            <a:prstTxWarp prst="textNoShape">
-              <a:avLst/>
-            </a:prstTxWarp>
-            <a:noAutofit/>
-          </a:bodyPr>
-          <a:lstStyle/>
-          <a:p>
-            <a:pPr algn="ctr"/>
-            <a:endParaRPr lang="en-US" sz="2700"/>
-          </a:p>
-        </p:txBody>
-      </p:sp>
-      <p:sp>
-        <p:nvSpPr>
           <p:cNvPr id="44" name="TextBox 43"/>
           <p:cNvSpPr txBox="1"/>
           <p:nvPr/>
         </p:nvSpPr>
         <p:spPr>
           <a:xfrm>
-            <a:off x="15301336" y="3440733"/>
+            <a:off x="15180933" y="984379"/>
             <a:ext cx="2528845" cy="369332"/>
           </a:xfrm>
           <a:prstGeom prst="rect">
@@ -3599,8 +3570,8 @@
         </p:nvSpPr>
         <p:spPr>
           <a:xfrm>
-            <a:off x="11981578" y="1534868"/>
-            <a:ext cx="1883391" cy="830997"/>
+            <a:off x="11808206" y="1301861"/>
+            <a:ext cx="2308272" cy="969496"/>
           </a:xfrm>
           <a:prstGeom prst="rect">
             <a:avLst/>
@@ -3614,14 +3585,14 @@
           <a:lstStyle/>
           <a:p>
             <a:r>
-              <a:rPr lang="en-US" sz="1600" dirty="0">
+              <a:rPr lang="en-US" sz="1900" dirty="0">
                 <a:latin typeface="Arial" panose="020B0604020202020204" pitchFamily="34" charset="0"/>
                 <a:cs typeface="Arial" panose="020B0604020202020204" pitchFamily="34" charset="0"/>
               </a:rPr>
               <a:t>Logistic </a:t>
             </a:r>
             <a:r>
-              <a:rPr lang="en-US" sz="1600" dirty="0" smtClean="0">
+              <a:rPr lang="en-US" sz="1900" dirty="0" smtClean="0">
                 <a:latin typeface="Arial" panose="020B0604020202020204" pitchFamily="34" charset="0"/>
                 <a:cs typeface="Arial" panose="020B0604020202020204" pitchFamily="34" charset="0"/>
               </a:rPr>
@@ -3630,14 +3601,14 @@
           </a:p>
           <a:p>
             <a:r>
-              <a:rPr lang="en-US" sz="1600" dirty="0">
+              <a:rPr lang="en-US" sz="1900" dirty="0">
                 <a:latin typeface="Arial" panose="020B0604020202020204" pitchFamily="34" charset="0"/>
                 <a:cs typeface="Arial" panose="020B0604020202020204" pitchFamily="34" charset="0"/>
               </a:rPr>
               <a:t> </a:t>
             </a:r>
             <a:r>
-              <a:rPr lang="en-US" sz="1600" dirty="0" smtClean="0">
+              <a:rPr lang="en-US" sz="1900" dirty="0" smtClean="0">
                 <a:latin typeface="Arial" panose="020B0604020202020204" pitchFamily="34" charset="0"/>
                 <a:cs typeface="Arial" panose="020B0604020202020204" pitchFamily="34" charset="0"/>
               </a:rPr>
@@ -3646,20 +3617,20 @@
           </a:p>
           <a:p>
             <a:r>
-              <a:rPr lang="en-US" sz="1600" dirty="0">
+              <a:rPr lang="en-US" sz="1900" dirty="0">
                 <a:latin typeface="Arial" panose="020B0604020202020204" pitchFamily="34" charset="0"/>
                 <a:cs typeface="Arial" panose="020B0604020202020204" pitchFamily="34" charset="0"/>
               </a:rPr>
               <a:t> </a:t>
             </a:r>
             <a:r>
-              <a:rPr lang="en-US" sz="1600" dirty="0" smtClean="0">
+              <a:rPr lang="en-US" sz="1900" dirty="0" smtClean="0">
                 <a:latin typeface="Arial" panose="020B0604020202020204" pitchFamily="34" charset="0"/>
                 <a:cs typeface="Arial" panose="020B0604020202020204" pitchFamily="34" charset="0"/>
               </a:rPr>
               <a:t>        Sparsity</a:t>
             </a:r>
-            <a:endParaRPr lang="en-US" sz="1600" dirty="0">
+            <a:endParaRPr lang="en-US" sz="1900" dirty="0">
               <a:latin typeface="Arial" panose="020B0604020202020204" pitchFamily="34" charset="0"/>
               <a:cs typeface="Arial" panose="020B0604020202020204" pitchFamily="34" charset="0"/>
             </a:endParaRPr>
@@ -3675,7 +3646,7 @@
         <p:spPr>
           <a:xfrm>
             <a:off x="11895201" y="4752584"/>
-            <a:ext cx="2200949" cy="830997"/>
+            <a:ext cx="2200949" cy="969496"/>
           </a:xfrm>
           <a:prstGeom prst="rect">
             <a:avLst/>
@@ -3689,7 +3660,7 @@
           <a:lstStyle/>
           <a:p>
             <a:r>
-              <a:rPr lang="en-US" sz="1600" dirty="0">
+              <a:rPr lang="en-US" sz="1900" dirty="0" smtClean="0">
                 <a:latin typeface="Arial" panose="020B0604020202020204" pitchFamily="34" charset="0"/>
                 <a:cs typeface="Arial" panose="020B0604020202020204" pitchFamily="34" charset="0"/>
               </a:rPr>
@@ -3698,15 +3669,22 @@
           </a:p>
           <a:p>
             <a:r>
-              <a:rPr lang="en-US" sz="1600" dirty="0">
+              <a:rPr lang="en-US" sz="1900" dirty="0" smtClean="0">
                 <a:latin typeface="Arial" panose="020B0604020202020204" pitchFamily="34" charset="0"/>
                 <a:cs typeface="Arial" panose="020B0604020202020204" pitchFamily="34" charset="0"/>
               </a:rPr>
-              <a:t>anomaly detector</a:t>
-            </a:r>
-          </a:p>
-          <a:p>
-            <a:endParaRPr lang="en-US" sz="1600" dirty="0">
+              <a:t>anomaly </a:t>
+            </a:r>
+            <a:r>
+              <a:rPr lang="en-US" sz="1900" dirty="0">
+                <a:latin typeface="Arial" panose="020B0604020202020204" pitchFamily="34" charset="0"/>
+                <a:cs typeface="Arial" panose="020B0604020202020204" pitchFamily="34" charset="0"/>
+              </a:rPr>
+              <a:t>detector</a:t>
+            </a:r>
+          </a:p>
+          <a:p>
+            <a:endParaRPr lang="en-US" sz="1900" dirty="0">
               <a:latin typeface="Arial" panose="020B0604020202020204" pitchFamily="34" charset="0"/>
               <a:cs typeface="Arial" panose="020B0604020202020204" pitchFamily="34" charset="0"/>
             </a:endParaRPr>
@@ -3721,8 +3699,8 @@
         </p:nvSpPr>
         <p:spPr>
           <a:xfrm>
-            <a:off x="6322436" y="4789681"/>
-            <a:ext cx="2312684" cy="584775"/>
+            <a:off x="6262764" y="4816759"/>
+            <a:ext cx="2457968" cy="677108"/>
           </a:xfrm>
           <a:prstGeom prst="rect">
             <a:avLst/>
@@ -3736,13 +3714,13 @@
           <a:lstStyle/>
           <a:p>
             <a:r>
-              <a:rPr lang="en-US" sz="1600" dirty="0" smtClean="0">
+              <a:rPr lang="en-US" sz="1900" dirty="0" smtClean="0">
                 <a:latin typeface="Arial" panose="020B0604020202020204" pitchFamily="34" charset="0"/>
                 <a:cs typeface="Arial" panose="020B0604020202020204" pitchFamily="34" charset="0"/>
               </a:rPr>
               <a:t>Time series – Forum Statistics</a:t>
             </a:r>
-            <a:endParaRPr lang="en-US" sz="1600" dirty="0">
+            <a:endParaRPr lang="en-US" sz="1900" dirty="0">
               <a:latin typeface="Arial" panose="020B0604020202020204" pitchFamily="34" charset="0"/>
               <a:cs typeface="Arial" panose="020B0604020202020204" pitchFamily="34" charset="0"/>
             </a:endParaRPr>
@@ -3758,7 +3736,7 @@
         <p:spPr>
           <a:xfrm>
             <a:off x="575552" y="241457"/>
-            <a:ext cx="1101995" cy="622898"/>
+            <a:ext cx="1219093" cy="723542"/>
           </a:xfrm>
           <a:prstGeom prst="roundRect">
             <a:avLst/>
@@ -3809,7 +3787,7 @@
         <p:spPr>
           <a:xfrm>
             <a:off x="651480" y="410460"/>
-            <a:ext cx="1460162" cy="307777"/>
+            <a:ext cx="1460162" cy="369332"/>
           </a:xfrm>
           <a:prstGeom prst="rect">
             <a:avLst/>
@@ -3823,7 +3801,7 @@
           <a:lstStyle/>
           <a:p>
             <a:r>
-              <a:rPr lang="en-US" sz="1400" dirty="0">
+              <a:rPr lang="en-US" dirty="0">
                 <a:latin typeface="Arial" panose="020B0604020202020204" pitchFamily="34" charset="0"/>
                 <a:cs typeface="Arial" panose="020B0604020202020204" pitchFamily="34" charset="0"/>
               </a:rPr>
@@ -3840,8 +3818,8 @@
         </p:nvSpPr>
         <p:spPr>
           <a:xfrm>
-            <a:off x="575552" y="1351819"/>
-            <a:ext cx="1101995" cy="622898"/>
+            <a:off x="575552" y="1351818"/>
+            <a:ext cx="1185545" cy="743105"/>
           </a:xfrm>
           <a:prstGeom prst="roundRect">
             <a:avLst/>
@@ -3892,7 +3870,7 @@
         <p:spPr>
           <a:xfrm>
             <a:off x="653408" y="1438168"/>
-            <a:ext cx="1605963" cy="523220"/>
+            <a:ext cx="1605963" cy="646331"/>
           </a:xfrm>
           <a:prstGeom prst="rect">
             <a:avLst/>
@@ -3906,7 +3884,7 @@
           <a:lstStyle/>
           <a:p>
             <a:r>
-              <a:rPr lang="en-US" sz="1400" dirty="0">
+              <a:rPr lang="en-US" dirty="0">
                 <a:latin typeface="Arial" panose="020B0604020202020204" pitchFamily="34" charset="0"/>
                 <a:cs typeface="Arial" panose="020B0604020202020204" pitchFamily="34" charset="0"/>
               </a:rPr>
@@ -3915,7 +3893,7 @@
           </a:p>
           <a:p>
             <a:r>
-              <a:rPr lang="en-US" sz="1400" dirty="0">
+              <a:rPr lang="en-US" dirty="0">
                 <a:latin typeface="Arial" panose="020B0604020202020204" pitchFamily="34" charset="0"/>
                 <a:cs typeface="Arial" panose="020B0604020202020204" pitchFamily="34" charset="0"/>
               </a:rPr>
@@ -3933,7 +3911,7 @@
         <p:spPr>
           <a:xfrm>
             <a:off x="575552" y="2466154"/>
-            <a:ext cx="1101995" cy="622898"/>
+            <a:ext cx="1242401" cy="748750"/>
           </a:xfrm>
           <a:prstGeom prst="roundRect">
             <a:avLst/>
@@ -3984,7 +3962,7 @@
         <p:spPr>
           <a:xfrm>
             <a:off x="651480" y="2645726"/>
-            <a:ext cx="1460162" cy="307777"/>
+            <a:ext cx="1460162" cy="369332"/>
           </a:xfrm>
           <a:prstGeom prst="rect">
             <a:avLst/>
@@ -3998,7 +3976,7 @@
           <a:lstStyle/>
           <a:p>
             <a:r>
-              <a:rPr lang="en-US" sz="1400" dirty="0">
+              <a:rPr lang="en-US" dirty="0">
                 <a:latin typeface="Arial" panose="020B0604020202020204" pitchFamily="34" charset="0"/>
                 <a:cs typeface="Arial" panose="020B0604020202020204" pitchFamily="34" charset="0"/>
               </a:rPr>
@@ -4114,8 +4092,8 @@
         </p:nvSpPr>
         <p:spPr>
           <a:xfrm>
-            <a:off x="2954780" y="3640092"/>
-            <a:ext cx="1030831" cy="652455"/>
+            <a:off x="2802202" y="4801180"/>
+            <a:ext cx="1025182" cy="738854"/>
           </a:xfrm>
           <a:prstGeom prst="roundRect">
             <a:avLst/>
@@ -4165,8 +4143,8 @@
         </p:nvSpPr>
         <p:spPr>
           <a:xfrm>
-            <a:off x="3068423" y="3682035"/>
-            <a:ext cx="1636476" cy="584775"/>
+            <a:off x="2911659" y="4862926"/>
+            <a:ext cx="1636476" cy="677108"/>
           </a:xfrm>
           <a:prstGeom prst="rect">
             <a:avLst/>
@@ -4180,7 +4158,7 @@
           <a:lstStyle/>
           <a:p>
             <a:r>
-              <a:rPr lang="en-US" sz="1600" dirty="0" smtClean="0">
+              <a:rPr lang="en-US" sz="1900" dirty="0" smtClean="0">
                 <a:latin typeface="Arial" panose="020B0604020202020204" pitchFamily="34" charset="0"/>
                 <a:cs typeface="Arial" panose="020B0604020202020204" pitchFamily="34" charset="0"/>
               </a:rPr>
@@ -4189,13 +4167,13 @@
           </a:p>
           <a:p>
             <a:r>
-              <a:rPr lang="en-US" sz="1600" dirty="0" smtClean="0">
+              <a:rPr lang="en-US" sz="1900" dirty="0" smtClean="0">
                 <a:latin typeface="Arial" panose="020B0604020202020204" pitchFamily="34" charset="0"/>
                 <a:cs typeface="Arial" panose="020B0604020202020204" pitchFamily="34" charset="0"/>
               </a:rPr>
               <a:t>Users</a:t>
             </a:r>
-            <a:endParaRPr lang="en-US" sz="1600" dirty="0">
+            <a:endParaRPr lang="en-US" sz="1900" dirty="0">
               <a:latin typeface="Arial" panose="020B0604020202020204" pitchFamily="34" charset="0"/>
               <a:cs typeface="Arial" panose="020B0604020202020204" pitchFamily="34" charset="0"/>
             </a:endParaRPr>
@@ -4210,8 +4188,8 @@
         </p:nvSpPr>
         <p:spPr>
           <a:xfrm>
-            <a:off x="2831823" y="640445"/>
-            <a:ext cx="1619428" cy="652455"/>
+            <a:off x="2780448" y="433790"/>
+            <a:ext cx="1798031" cy="739883"/>
           </a:xfrm>
           <a:prstGeom prst="roundRect">
             <a:avLst/>
@@ -4321,8 +4299,8 @@
         </p:blipFill>
         <p:spPr>
           <a:xfrm>
-            <a:off x="6407550" y="5349424"/>
-            <a:ext cx="1799241" cy="1199494"/>
+            <a:off x="6567376" y="5480991"/>
+            <a:ext cx="1451660" cy="967773"/>
           </a:xfrm>
           <a:prstGeom prst="rect">
             <a:avLst/>
@@ -4388,8 +4366,8 @@
         </p:nvSpPr>
         <p:spPr>
           <a:xfrm>
-            <a:off x="6292289" y="895924"/>
-            <a:ext cx="2312684" cy="584775"/>
+            <a:off x="6190438" y="964999"/>
+            <a:ext cx="2599864" cy="677108"/>
           </a:xfrm>
           <a:prstGeom prst="rect">
             <a:avLst/>
@@ -4403,13 +4381,13 @@
           <a:lstStyle/>
           <a:p>
             <a:r>
-              <a:rPr lang="en-US" sz="1600" dirty="0" smtClean="0">
+              <a:rPr lang="en-US" sz="1900" dirty="0" smtClean="0">
                 <a:latin typeface="Arial" panose="020B0604020202020204" pitchFamily="34" charset="0"/>
                 <a:cs typeface="Arial" panose="020B0604020202020204" pitchFamily="34" charset="0"/>
               </a:rPr>
               <a:t>Time series – Network interaction statistics</a:t>
             </a:r>
-            <a:endParaRPr lang="en-US" sz="1600" dirty="0">
+            <a:endParaRPr lang="en-US" sz="1900" dirty="0">
               <a:latin typeface="Arial" panose="020B0604020202020204" pitchFamily="34" charset="0"/>
               <a:cs typeface="Arial" panose="020B0604020202020204" pitchFamily="34" charset="0"/>
             </a:endParaRPr>
@@ -4438,8 +4416,8 @@
         </p:blipFill>
         <p:spPr>
           <a:xfrm>
-            <a:off x="6377403" y="1455667"/>
-            <a:ext cx="1799241" cy="1199494"/>
+            <a:off x="6541057" y="1581777"/>
+            <a:ext cx="1588753" cy="1059169"/>
           </a:xfrm>
           <a:prstGeom prst="rect">
             <a:avLst/>
@@ -4505,8 +4483,8 @@
         </p:nvSpPr>
         <p:spPr>
           <a:xfrm>
-            <a:off x="2876617" y="674286"/>
-            <a:ext cx="1587032" cy="584775"/>
+            <a:off x="2830451" y="486791"/>
+            <a:ext cx="2001097" cy="677108"/>
           </a:xfrm>
           <a:prstGeom prst="rect">
             <a:avLst/>
@@ -4520,13 +4498,13 @@
           <a:lstStyle/>
           <a:p>
             <a:r>
-              <a:rPr lang="en-US" sz="1600" dirty="0" smtClean="0">
+              <a:rPr lang="en-US" sz="1900" dirty="0" smtClean="0">
                 <a:latin typeface="Arial" panose="020B0604020202020204" pitchFamily="34" charset="0"/>
                 <a:cs typeface="Arial" panose="020B0604020202020204" pitchFamily="34" charset="0"/>
               </a:rPr>
               <a:t>Historical reply Network</a:t>
             </a:r>
-            <a:endParaRPr lang="en-US" sz="1600" dirty="0">
+            <a:endParaRPr lang="en-US" sz="1900" dirty="0">
               <a:latin typeface="Arial" panose="020B0604020202020204" pitchFamily="34" charset="0"/>
               <a:cs typeface="Arial" panose="020B0604020202020204" pitchFamily="34" charset="0"/>
             </a:endParaRPr>
@@ -4887,7 +4865,7 @@
                 <a:latin typeface="Arial" panose="020B0604020202020204" pitchFamily="34" charset="0"/>
                 <a:cs typeface="Arial" panose="020B0604020202020204" pitchFamily="34" charset="0"/>
               </a:rPr>
-              <a:t>Creating time series</a:t>
+              <a:t>Time series data</a:t>
             </a:r>
             <a:endParaRPr lang="en-US" b="1" dirty="0">
               <a:latin typeface="Arial" panose="020B0604020202020204" pitchFamily="34" charset="0"/>
@@ -4904,7 +4882,7 @@
         </p:nvSpPr>
         <p:spPr>
           <a:xfrm>
-            <a:off x="10093437" y="453866"/>
+            <a:off x="10230450" y="500212"/>
             <a:ext cx="4493299" cy="6372451"/>
           </a:xfrm>
           <a:prstGeom prst="roundRect">
@@ -4961,7 +4939,7 @@
           <a:lstStyle/>
           <a:p>
             <a:pPr algn="ctr"/>
-            <a:endParaRPr lang="en-US"/>
+            <a:endParaRPr lang="en-US" dirty="0"/>
           </a:p>
         </p:txBody>
       </p:sp>
@@ -5121,187 +5099,6 @@
           </a:prstGeom>
           <a:ln w="28575">
             <a:prstDash val="lgDash"/>
-            <a:tailEnd type="triangle"/>
-          </a:ln>
-        </p:spPr>
-        <p:style>
-          <a:lnRef idx="1">
-            <a:schemeClr val="dk1"/>
-          </a:lnRef>
-          <a:fillRef idx="0">
-            <a:schemeClr val="dk1"/>
-          </a:fillRef>
-          <a:effectRef idx="0">
-            <a:schemeClr val="dk1"/>
-          </a:effectRef>
-          <a:fontRef idx="minor">
-            <a:schemeClr val="tx1"/>
-          </a:fontRef>
-        </p:style>
-      </p:cxnSp>
-      <p:sp>
-        <p:nvSpPr>
-          <p:cNvPr id="137" name="TextBox 136"/>
-          <p:cNvSpPr txBox="1"/>
-          <p:nvPr/>
-        </p:nvSpPr>
-        <p:spPr>
-          <a:xfrm>
-            <a:off x="15247170" y="5069457"/>
-            <a:ext cx="2514755" cy="969496"/>
-          </a:xfrm>
-          <a:prstGeom prst="rect">
-            <a:avLst/>
-          </a:prstGeom>
-          <a:noFill/>
-        </p:spPr>
-        <p:txBody>
-          <a:bodyPr wrap="square" rtlCol="0">
-            <a:spAutoFit/>
-          </a:bodyPr>
-          <a:lstStyle/>
-          <a:p>
-            <a:endParaRPr lang="en-US" sz="2100" dirty="0">
-              <a:latin typeface="Arial" panose="020B0604020202020204" pitchFamily="34" charset="0"/>
-              <a:cs typeface="Arial" panose="020B0604020202020204" pitchFamily="34" charset="0"/>
-            </a:endParaRPr>
-          </a:p>
-          <a:p>
-            <a:r>
-              <a:rPr lang="en-US" dirty="0" smtClean="0">
-                <a:latin typeface="Arial" panose="020B0604020202020204" pitchFamily="34" charset="0"/>
-                <a:cs typeface="Arial" panose="020B0604020202020204" pitchFamily="34" charset="0"/>
-              </a:rPr>
-              <a:t>Attack detection – </a:t>
-            </a:r>
-            <a:r>
-              <a:rPr lang="en-US" b="1" dirty="0" smtClean="0">
-                <a:latin typeface="Arial" panose="020B0604020202020204" pitchFamily="34" charset="0"/>
-                <a:cs typeface="Arial" panose="020B0604020202020204" pitchFamily="34" charset="0"/>
-              </a:rPr>
-              <a:t>explanatory analysis</a:t>
-            </a:r>
-            <a:endParaRPr lang="en-US" b="1" dirty="0">
-              <a:latin typeface="Arial" panose="020B0604020202020204" pitchFamily="34" charset="0"/>
-              <a:cs typeface="Arial" panose="020B0604020202020204" pitchFamily="34" charset="0"/>
-            </a:endParaRPr>
-          </a:p>
-        </p:txBody>
-      </p:sp>
-      <p:cxnSp>
-        <p:nvCxnSpPr>
-          <p:cNvPr id="144" name="Straight Arrow Connector 143"/>
-          <p:cNvCxnSpPr/>
-          <p:nvPr/>
-        </p:nvCxnSpPr>
-        <p:spPr>
-          <a:xfrm>
-            <a:off x="13995099" y="1732436"/>
-            <a:ext cx="1138010" cy="0"/>
-          </a:xfrm>
-          <a:prstGeom prst="straightConnector1">
-            <a:avLst/>
-          </a:prstGeom>
-          <a:ln w="28575">
-            <a:tailEnd type="triangle"/>
-          </a:ln>
-        </p:spPr>
-        <p:style>
-          <a:lnRef idx="1">
-            <a:schemeClr val="dk1"/>
-          </a:lnRef>
-          <a:fillRef idx="0">
-            <a:schemeClr val="dk1"/>
-          </a:fillRef>
-          <a:effectRef idx="0">
-            <a:schemeClr val="dk1"/>
-          </a:effectRef>
-          <a:fontRef idx="minor">
-            <a:schemeClr val="tx1"/>
-          </a:fontRef>
-        </p:style>
-      </p:cxnSp>
-      <p:cxnSp>
-        <p:nvCxnSpPr>
-          <p:cNvPr id="146" name="Straight Arrow Connector 145"/>
-          <p:cNvCxnSpPr/>
-          <p:nvPr/>
-        </p:nvCxnSpPr>
-        <p:spPr>
-          <a:xfrm flipH="1" flipV="1">
-            <a:off x="16297154" y="2126589"/>
-            <a:ext cx="5083" cy="890301"/>
-          </a:xfrm>
-          <a:prstGeom prst="straightConnector1">
-            <a:avLst/>
-          </a:prstGeom>
-          <a:ln w="28575">
-            <a:tailEnd type="triangle"/>
-          </a:ln>
-        </p:spPr>
-        <p:style>
-          <a:lnRef idx="1">
-            <a:schemeClr val="dk1"/>
-          </a:lnRef>
-          <a:fillRef idx="0">
-            <a:schemeClr val="dk1"/>
-          </a:fillRef>
-          <a:effectRef idx="0">
-            <a:schemeClr val="dk1"/>
-          </a:effectRef>
-          <a:fontRef idx="minor">
-            <a:schemeClr val="tx1"/>
-          </a:fontRef>
-        </p:style>
-      </p:cxnSp>
-      <p:cxnSp>
-        <p:nvCxnSpPr>
-          <p:cNvPr id="148" name="Straight Arrow Connector 147"/>
-          <p:cNvCxnSpPr/>
-          <p:nvPr/>
-        </p:nvCxnSpPr>
-        <p:spPr>
-          <a:xfrm>
-            <a:off x="16338937" y="4220510"/>
-            <a:ext cx="0" cy="815258"/>
-          </a:xfrm>
-          <a:prstGeom prst="straightConnector1">
-            <a:avLst/>
-          </a:prstGeom>
-          <a:ln w="28575">
-            <a:tailEnd type="triangle"/>
-          </a:ln>
-        </p:spPr>
-        <p:style>
-          <a:lnRef idx="1">
-            <a:schemeClr val="dk1"/>
-          </a:lnRef>
-          <a:fillRef idx="0">
-            <a:schemeClr val="dk1"/>
-          </a:fillRef>
-          <a:effectRef idx="0">
-            <a:schemeClr val="dk1"/>
-          </a:effectRef>
-          <a:fontRef idx="minor">
-            <a:schemeClr val="tx1"/>
-          </a:fontRef>
-        </p:style>
-      </p:cxnSp>
-      <p:cxnSp>
-        <p:nvCxnSpPr>
-          <p:cNvPr id="152" name="Straight Arrow Connector 151"/>
-          <p:cNvCxnSpPr/>
-          <p:nvPr/>
-        </p:nvCxnSpPr>
-        <p:spPr>
-          <a:xfrm>
-            <a:off x="13995099" y="5626193"/>
-            <a:ext cx="1138010" cy="0"/>
-          </a:xfrm>
-          <a:prstGeom prst="straightConnector1">
-            <a:avLst/>
-          </a:prstGeom>
-          <a:ln w="28575">
             <a:tailEnd type="triangle"/>
           </a:ln>
         </p:spPr>
@@ -5437,6 +5234,141 @@
           <a:xfrm>
             <a:off x="4555201" y="2095643"/>
             <a:ext cx="1404307" cy="0"/>
+          </a:xfrm>
+          <a:prstGeom prst="straightConnector1">
+            <a:avLst/>
+          </a:prstGeom>
+          <a:ln w="28575">
+            <a:tailEnd type="triangle"/>
+          </a:ln>
+        </p:spPr>
+        <p:style>
+          <a:lnRef idx="1">
+            <a:schemeClr val="dk1"/>
+          </a:lnRef>
+          <a:fillRef idx="0">
+            <a:schemeClr val="dk1"/>
+          </a:fillRef>
+          <a:effectRef idx="0">
+            <a:schemeClr val="dk1"/>
+          </a:effectRef>
+          <a:fontRef idx="minor">
+            <a:schemeClr val="tx1"/>
+          </a:fontRef>
+        </p:style>
+      </p:cxnSp>
+      <p:pic>
+        <p:nvPicPr>
+          <p:cNvPr id="2" name="Picture 1"/>
+          <p:cNvPicPr>
+            <a:picLocks noChangeAspect="1"/>
+          </p:cNvPicPr>
+          <p:nvPr/>
+        </p:nvPicPr>
+        <p:blipFill>
+          <a:blip r:embed="rId7" cstate="print">
+            <a:extLst>
+              <a:ext uri="{28A0092B-C50C-407E-A947-70E740481C1C}">
+                <a14:useLocalDpi xmlns:a14="http://schemas.microsoft.com/office/drawing/2010/main" val="0"/>
+              </a:ext>
+            </a:extLst>
+          </a:blip>
+          <a:stretch>
+            <a:fillRect/>
+          </a:stretch>
+        </p:blipFill>
+        <p:spPr>
+          <a:xfrm>
+            <a:off x="2701522" y="3487459"/>
+            <a:ext cx="1247247" cy="1247247"/>
+          </a:xfrm>
+          <a:prstGeom prst="rect">
+            <a:avLst/>
+          </a:prstGeom>
+        </p:spPr>
+      </p:pic>
+      <p:cxnSp>
+        <p:nvCxnSpPr>
+          <p:cNvPr id="5" name="Elbow Connector 4"/>
+          <p:cNvCxnSpPr>
+            <a:stCxn id="22" idx="3"/>
+            <a:endCxn id="41" idx="0"/>
+          </p:cNvCxnSpPr>
+          <p:nvPr/>
+        </p:nvCxnSpPr>
+        <p:spPr>
+          <a:xfrm>
+            <a:off x="13995099" y="1873423"/>
+            <a:ext cx="2458702" cy="1130173"/>
+          </a:xfrm>
+          <a:prstGeom prst="bentConnector2">
+            <a:avLst/>
+          </a:prstGeom>
+          <a:ln w="19050">
+            <a:tailEnd type="triangle"/>
+          </a:ln>
+        </p:spPr>
+        <p:style>
+          <a:lnRef idx="1">
+            <a:schemeClr val="dk1"/>
+          </a:lnRef>
+          <a:fillRef idx="0">
+            <a:schemeClr val="dk1"/>
+          </a:fillRef>
+          <a:effectRef idx="0">
+            <a:schemeClr val="dk1"/>
+          </a:effectRef>
+          <a:fontRef idx="minor">
+            <a:schemeClr val="tx1"/>
+          </a:fontRef>
+        </p:style>
+      </p:cxnSp>
+      <p:cxnSp>
+        <p:nvCxnSpPr>
+          <p:cNvPr id="7" name="Elbow Connector 6"/>
+          <p:cNvCxnSpPr>
+            <a:stCxn id="46" idx="3"/>
+            <a:endCxn id="41" idx="2"/>
+          </p:cNvCxnSpPr>
+          <p:nvPr/>
+        </p:nvCxnSpPr>
+        <p:spPr>
+          <a:xfrm flipV="1">
+            <a:off x="14096150" y="3845330"/>
+            <a:ext cx="2357651" cy="1392002"/>
+          </a:xfrm>
+          <a:prstGeom prst="bentConnector2">
+            <a:avLst/>
+          </a:prstGeom>
+          <a:ln w="19050">
+            <a:tailEnd type="triangle"/>
+          </a:ln>
+        </p:spPr>
+        <p:style>
+          <a:lnRef idx="1">
+            <a:schemeClr val="dk1"/>
+          </a:lnRef>
+          <a:fillRef idx="0">
+            <a:schemeClr val="dk1"/>
+          </a:fillRef>
+          <a:effectRef idx="0">
+            <a:schemeClr val="dk1"/>
+          </a:effectRef>
+          <a:fontRef idx="minor">
+            <a:schemeClr val="tx1"/>
+          </a:fontRef>
+        </p:style>
+      </p:cxnSp>
+      <p:cxnSp>
+        <p:nvCxnSpPr>
+          <p:cNvPr id="74" name="Straight Arrow Connector 73"/>
+          <p:cNvCxnSpPr/>
+          <p:nvPr/>
+        </p:nvCxnSpPr>
+        <p:spPr>
+          <a:xfrm>
+            <a:off x="16907722" y="1553905"/>
+            <a:ext cx="56" cy="1480088"/>
           </a:xfrm>
           <a:prstGeom prst="straightConnector1">
             <a:avLst/>

--- a/plots/cytoscape/Presentation1.pptx
+++ b/plots/cytoscape/Presentation1.pptx
@@ -243,7 +243,7 @@
           <a:p>
             <a:fld id="{610400A7-7F48-4CEA-92B4-0288C6D1B69F}" type="datetimeFigureOut">
               <a:rPr lang="en-US" smtClean="0"/>
-              <a:t>1/28/2018</a:t>
+              <a:t>2/8/2018</a:t>
             </a:fld>
             <a:endParaRPr lang="en-US"/>
           </a:p>
@@ -413,7 +413,7 @@
           <a:p>
             <a:fld id="{610400A7-7F48-4CEA-92B4-0288C6D1B69F}" type="datetimeFigureOut">
               <a:rPr lang="en-US" smtClean="0"/>
-              <a:t>1/28/2018</a:t>
+              <a:t>2/8/2018</a:t>
             </a:fld>
             <a:endParaRPr lang="en-US"/>
           </a:p>
@@ -593,7 +593,7 @@
           <a:p>
             <a:fld id="{610400A7-7F48-4CEA-92B4-0288C6D1B69F}" type="datetimeFigureOut">
               <a:rPr lang="en-US" smtClean="0"/>
-              <a:t>1/28/2018</a:t>
+              <a:t>2/8/2018</a:t>
             </a:fld>
             <a:endParaRPr lang="en-US"/>
           </a:p>
@@ -763,7 +763,7 @@
           <a:p>
             <a:fld id="{610400A7-7F48-4CEA-92B4-0288C6D1B69F}" type="datetimeFigureOut">
               <a:rPr lang="en-US" smtClean="0"/>
-              <a:t>1/28/2018</a:t>
+              <a:t>2/8/2018</a:t>
             </a:fld>
             <a:endParaRPr lang="en-US"/>
           </a:p>
@@ -1009,7 +1009,7 @@
           <a:p>
             <a:fld id="{610400A7-7F48-4CEA-92B4-0288C6D1B69F}" type="datetimeFigureOut">
               <a:rPr lang="en-US" smtClean="0"/>
-              <a:t>1/28/2018</a:t>
+              <a:t>2/8/2018</a:t>
             </a:fld>
             <a:endParaRPr lang="en-US"/>
           </a:p>
@@ -1241,7 +1241,7 @@
           <a:p>
             <a:fld id="{610400A7-7F48-4CEA-92B4-0288C6D1B69F}" type="datetimeFigureOut">
               <a:rPr lang="en-US" smtClean="0"/>
-              <a:t>1/28/2018</a:t>
+              <a:t>2/8/2018</a:t>
             </a:fld>
             <a:endParaRPr lang="en-US"/>
           </a:p>
@@ -1608,7 +1608,7 @@
           <a:p>
             <a:fld id="{610400A7-7F48-4CEA-92B4-0288C6D1B69F}" type="datetimeFigureOut">
               <a:rPr lang="en-US" smtClean="0"/>
-              <a:t>1/28/2018</a:t>
+              <a:t>2/8/2018</a:t>
             </a:fld>
             <a:endParaRPr lang="en-US"/>
           </a:p>
@@ -1726,7 +1726,7 @@
           <a:p>
             <a:fld id="{610400A7-7F48-4CEA-92B4-0288C6D1B69F}" type="datetimeFigureOut">
               <a:rPr lang="en-US" smtClean="0"/>
-              <a:t>1/28/2018</a:t>
+              <a:t>2/8/2018</a:t>
             </a:fld>
             <a:endParaRPr lang="en-US"/>
           </a:p>
@@ -1821,7 +1821,7 @@
           <a:p>
             <a:fld id="{610400A7-7F48-4CEA-92B4-0288C6D1B69F}" type="datetimeFigureOut">
               <a:rPr lang="en-US" smtClean="0"/>
-              <a:t>1/28/2018</a:t>
+              <a:t>2/8/2018</a:t>
             </a:fld>
             <a:endParaRPr lang="en-US"/>
           </a:p>
@@ -2098,7 +2098,7 @@
           <a:p>
             <a:fld id="{610400A7-7F48-4CEA-92B4-0288C6D1B69F}" type="datetimeFigureOut">
               <a:rPr lang="en-US" smtClean="0"/>
-              <a:t>1/28/2018</a:t>
+              <a:t>2/8/2018</a:t>
             </a:fld>
             <a:endParaRPr lang="en-US"/>
           </a:p>
@@ -2355,7 +2355,7 @@
           <a:p>
             <a:fld id="{610400A7-7F48-4CEA-92B4-0288C6D1B69F}" type="datetimeFigureOut">
               <a:rPr lang="en-US" smtClean="0"/>
-              <a:t>1/28/2018</a:t>
+              <a:t>2/8/2018</a:t>
             </a:fld>
             <a:endParaRPr lang="en-US"/>
           </a:p>
@@ -2568,7 +2568,7 @@
           <a:p>
             <a:fld id="{610400A7-7F48-4CEA-92B4-0288C6D1B69F}" type="datetimeFigureOut">
               <a:rPr lang="en-US" smtClean="0"/>
-              <a:t>1/28/2018</a:t>
+              <a:t>2/8/2018</a:t>
             </a:fld>
             <a:endParaRPr lang="en-US"/>
           </a:p>
@@ -3359,14 +3359,297 @@
       </p:sp>
       <p:sp>
         <p:nvSpPr>
-          <p:cNvPr id="36" name="Rounded Rectangle 35"/>
+          <p:cNvPr id="41" name="Rounded Rectangle 40"/>
           <p:cNvSpPr/>
           <p:nvPr/>
         </p:nvSpPr>
         <p:spPr>
           <a:xfrm>
-            <a:off x="5989655" y="4686788"/>
-            <a:ext cx="2840534" cy="1878810"/>
+            <a:off x="15186344" y="3003596"/>
+            <a:ext cx="2534913" cy="841734"/>
+          </a:xfrm>
+          <a:prstGeom prst="roundRect">
+            <a:avLst/>
+          </a:prstGeom>
+          <a:noFill/>
+          <a:ln>
+            <a:solidFill>
+              <a:schemeClr val="tx1"/>
+            </a:solidFill>
+          </a:ln>
+        </p:spPr>
+        <p:style>
+          <a:lnRef idx="2">
+            <a:schemeClr val="dk1">
+              <a:shade val="50000"/>
+            </a:schemeClr>
+          </a:lnRef>
+          <a:fillRef idx="1">
+            <a:schemeClr val="dk1"/>
+          </a:fillRef>
+          <a:effectRef idx="0">
+            <a:schemeClr val="dk1"/>
+          </a:effectRef>
+          <a:fontRef idx="minor">
+            <a:schemeClr val="lt1"/>
+          </a:fontRef>
+        </p:style>
+        <p:txBody>
+          <a:bodyPr rot="0" spcFirstLastPara="0" vertOverflow="overflow" horzOverflow="overflow" vert="horz" wrap="square" lIns="137160" tIns="68580" rIns="137160" bIns="68580" numCol="1" spcCol="0" rtlCol="0" fromWordArt="0" anchor="ctr" anchorCtr="0" forceAA="0" compatLnSpc="1">
+            <a:prstTxWarp prst="textNoShape">
+              <a:avLst/>
+            </a:prstTxWarp>
+            <a:noAutofit/>
+          </a:bodyPr>
+          <a:lstStyle/>
+          <a:p>
+            <a:pPr algn="ctr"/>
+            <a:endParaRPr lang="en-US" sz="2700"/>
+          </a:p>
+        </p:txBody>
+      </p:sp>
+      <p:sp>
+        <p:nvSpPr>
+          <p:cNvPr id="43" name="Rounded Rectangle 42"/>
+          <p:cNvSpPr/>
+          <p:nvPr/>
+        </p:nvSpPr>
+        <p:spPr>
+          <a:xfrm>
+            <a:off x="15180933" y="718237"/>
+            <a:ext cx="2396852" cy="846863"/>
+          </a:xfrm>
+          <a:prstGeom prst="roundRect">
+            <a:avLst/>
+          </a:prstGeom>
+          <a:noFill/>
+          <a:ln>
+            <a:solidFill>
+              <a:schemeClr val="tx1"/>
+            </a:solidFill>
+          </a:ln>
+        </p:spPr>
+        <p:style>
+          <a:lnRef idx="2">
+            <a:schemeClr val="dk1">
+              <a:shade val="50000"/>
+            </a:schemeClr>
+          </a:lnRef>
+          <a:fillRef idx="1">
+            <a:schemeClr val="dk1"/>
+          </a:fillRef>
+          <a:effectRef idx="0">
+            <a:schemeClr val="dk1"/>
+          </a:effectRef>
+          <a:fontRef idx="minor">
+            <a:schemeClr val="lt1"/>
+          </a:fontRef>
+        </p:style>
+        <p:txBody>
+          <a:bodyPr rot="0" spcFirstLastPara="0" vertOverflow="overflow" horzOverflow="overflow" vert="horz" wrap="square" lIns="137160" tIns="68580" rIns="137160" bIns="68580" numCol="1" spcCol="0" rtlCol="0" fromWordArt="0" anchor="ctr" anchorCtr="0" forceAA="0" compatLnSpc="1">
+            <a:prstTxWarp prst="textNoShape">
+              <a:avLst/>
+            </a:prstTxWarp>
+            <a:noAutofit/>
+          </a:bodyPr>
+          <a:lstStyle/>
+          <a:p>
+            <a:pPr algn="ctr"/>
+            <a:endParaRPr lang="en-US" sz="2700"/>
+          </a:p>
+        </p:txBody>
+      </p:sp>
+      <p:sp>
+        <p:nvSpPr>
+          <p:cNvPr id="44" name="TextBox 43"/>
+          <p:cNvSpPr txBox="1"/>
+          <p:nvPr/>
+        </p:nvSpPr>
+        <p:spPr>
+          <a:xfrm>
+            <a:off x="15180933" y="984379"/>
+            <a:ext cx="2528845" cy="369332"/>
+          </a:xfrm>
+          <a:prstGeom prst="rect">
+            <a:avLst/>
+          </a:prstGeom>
+          <a:noFill/>
+        </p:spPr>
+        <p:txBody>
+          <a:bodyPr wrap="square" rtlCol="0">
+            <a:spAutoFit/>
+          </a:bodyPr>
+          <a:lstStyle/>
+          <a:p>
+            <a:r>
+              <a:rPr lang="en-US" dirty="0">
+                <a:solidFill>
+                  <a:srgbClr val="FF0000"/>
+                </a:solidFill>
+                <a:latin typeface="Arial" panose="020B0604020202020204" pitchFamily="34" charset="0"/>
+                <a:cs typeface="Arial" panose="020B0604020202020204" pitchFamily="34" charset="0"/>
+              </a:rPr>
+              <a:t>Test input </a:t>
+            </a:r>
+            <a:r>
+              <a:rPr lang="en-US" dirty="0" smtClean="0">
+                <a:solidFill>
+                  <a:srgbClr val="FF0000"/>
+                </a:solidFill>
+                <a:latin typeface="Arial" panose="020B0604020202020204" pitchFamily="34" charset="0"/>
+                <a:cs typeface="Arial" panose="020B0604020202020204" pitchFamily="34" charset="0"/>
+              </a:rPr>
+              <a:t>Time Series</a:t>
+            </a:r>
+            <a:endParaRPr lang="en-US" dirty="0">
+              <a:solidFill>
+                <a:srgbClr val="FF0000"/>
+              </a:solidFill>
+              <a:latin typeface="Arial" panose="020B0604020202020204" pitchFamily="34" charset="0"/>
+              <a:cs typeface="Arial" panose="020B0604020202020204" pitchFamily="34" charset="0"/>
+            </a:endParaRPr>
+          </a:p>
+        </p:txBody>
+      </p:sp>
+      <p:sp>
+        <p:nvSpPr>
+          <p:cNvPr id="45" name="TextBox 44"/>
+          <p:cNvSpPr txBox="1"/>
+          <p:nvPr/>
+        </p:nvSpPr>
+        <p:spPr>
+          <a:xfrm>
+            <a:off x="11808206" y="1301861"/>
+            <a:ext cx="2308272" cy="969496"/>
+          </a:xfrm>
+          <a:prstGeom prst="rect">
+            <a:avLst/>
+          </a:prstGeom>
+          <a:noFill/>
+        </p:spPr>
+        <p:txBody>
+          <a:bodyPr wrap="square" rtlCol="0">
+            <a:spAutoFit/>
+          </a:bodyPr>
+          <a:lstStyle/>
+          <a:p>
+            <a:r>
+              <a:rPr lang="en-US" sz="1900" dirty="0">
+                <a:latin typeface="Arial" panose="020B0604020202020204" pitchFamily="34" charset="0"/>
+                <a:cs typeface="Arial" panose="020B0604020202020204" pitchFamily="34" charset="0"/>
+              </a:rPr>
+              <a:t>Logistic </a:t>
+            </a:r>
+            <a:r>
+              <a:rPr lang="en-US" sz="1900" dirty="0" smtClean="0">
+                <a:latin typeface="Arial" panose="020B0604020202020204" pitchFamily="34" charset="0"/>
+                <a:cs typeface="Arial" panose="020B0604020202020204" pitchFamily="34" charset="0"/>
+              </a:rPr>
+              <a:t>regression </a:t>
+            </a:r>
+          </a:p>
+          <a:p>
+            <a:r>
+              <a:rPr lang="en-US" sz="1900" dirty="0">
+                <a:latin typeface="Arial" panose="020B0604020202020204" pitchFamily="34" charset="0"/>
+                <a:cs typeface="Arial" panose="020B0604020202020204" pitchFamily="34" charset="0"/>
+              </a:rPr>
+              <a:t> </a:t>
+            </a:r>
+            <a:r>
+              <a:rPr lang="en-US" sz="1900" dirty="0" smtClean="0">
+                <a:latin typeface="Arial" panose="020B0604020202020204" pitchFamily="34" charset="0"/>
+                <a:cs typeface="Arial" panose="020B0604020202020204" pitchFamily="34" charset="0"/>
+              </a:rPr>
+              <a:t>              +</a:t>
+            </a:r>
+          </a:p>
+          <a:p>
+            <a:r>
+              <a:rPr lang="en-US" sz="1900">
+                <a:latin typeface="Arial" panose="020B0604020202020204" pitchFamily="34" charset="0"/>
+                <a:cs typeface="Arial" panose="020B0604020202020204" pitchFamily="34" charset="0"/>
+              </a:rPr>
+              <a:t> </a:t>
+            </a:r>
+            <a:r>
+              <a:rPr lang="en-US" sz="1900" smtClean="0">
+                <a:latin typeface="Arial" panose="020B0604020202020204" pitchFamily="34" charset="0"/>
+                <a:cs typeface="Arial" panose="020B0604020202020204" pitchFamily="34" charset="0"/>
+              </a:rPr>
+              <a:t>    Regularization</a:t>
+            </a:r>
+            <a:endParaRPr lang="en-US" sz="1900" dirty="0">
+              <a:latin typeface="Arial" panose="020B0604020202020204" pitchFamily="34" charset="0"/>
+              <a:cs typeface="Arial" panose="020B0604020202020204" pitchFamily="34" charset="0"/>
+            </a:endParaRPr>
+          </a:p>
+        </p:txBody>
+      </p:sp>
+      <p:sp>
+        <p:nvSpPr>
+          <p:cNvPr id="46" name="TextBox 45"/>
+          <p:cNvSpPr txBox="1"/>
+          <p:nvPr/>
+        </p:nvSpPr>
+        <p:spPr>
+          <a:xfrm>
+            <a:off x="11895201" y="4752584"/>
+            <a:ext cx="2200949" cy="969496"/>
+          </a:xfrm>
+          <a:prstGeom prst="rect">
+            <a:avLst/>
+          </a:prstGeom>
+          <a:noFill/>
+        </p:spPr>
+        <p:txBody>
+          <a:bodyPr wrap="square" rtlCol="0">
+            <a:spAutoFit/>
+          </a:bodyPr>
+          <a:lstStyle/>
+          <a:p>
+            <a:r>
+              <a:rPr lang="en-US" sz="1900" dirty="0" smtClean="0">
+                <a:latin typeface="Arial" panose="020B0604020202020204" pitchFamily="34" charset="0"/>
+                <a:cs typeface="Arial" panose="020B0604020202020204" pitchFamily="34" charset="0"/>
+              </a:rPr>
+              <a:t>PCA subspace</a:t>
+            </a:r>
+          </a:p>
+          <a:p>
+            <a:r>
+              <a:rPr lang="en-US" sz="1900" dirty="0" smtClean="0">
+                <a:latin typeface="Arial" panose="020B0604020202020204" pitchFamily="34" charset="0"/>
+                <a:cs typeface="Arial" panose="020B0604020202020204" pitchFamily="34" charset="0"/>
+              </a:rPr>
+              <a:t>anomaly </a:t>
+            </a:r>
+            <a:r>
+              <a:rPr lang="en-US" sz="1900" dirty="0">
+                <a:latin typeface="Arial" panose="020B0604020202020204" pitchFamily="34" charset="0"/>
+                <a:cs typeface="Arial" panose="020B0604020202020204" pitchFamily="34" charset="0"/>
+              </a:rPr>
+              <a:t>detector</a:t>
+            </a:r>
+          </a:p>
+          <a:p>
+            <a:endParaRPr lang="en-US" sz="1900" dirty="0">
+              <a:latin typeface="Arial" panose="020B0604020202020204" pitchFamily="34" charset="0"/>
+              <a:cs typeface="Arial" panose="020B0604020202020204" pitchFamily="34" charset="0"/>
+            </a:endParaRPr>
+          </a:p>
+        </p:txBody>
+      </p:sp>
+      <p:sp>
+        <p:nvSpPr>
+          <p:cNvPr id="53" name="Rounded Rectangle 52"/>
+          <p:cNvSpPr/>
+          <p:nvPr/>
+        </p:nvSpPr>
+        <p:spPr>
+          <a:xfrm>
+            <a:off x="575552" y="241457"/>
+            <a:ext cx="1219093" cy="723542"/>
           </a:xfrm>
           <a:prstGeom prst="roundRect">
             <a:avLst/>
@@ -3410,116 +3693,14 @@
       </p:sp>
       <p:sp>
         <p:nvSpPr>
-          <p:cNvPr id="41" name="Rounded Rectangle 40"/>
-          <p:cNvSpPr/>
-          <p:nvPr/>
-        </p:nvSpPr>
-        <p:spPr>
-          <a:xfrm>
-            <a:off x="15186344" y="3003596"/>
-            <a:ext cx="2534913" cy="841734"/>
-          </a:xfrm>
-          <a:prstGeom prst="roundRect">
-            <a:avLst/>
-          </a:prstGeom>
-          <a:noFill/>
-          <a:ln>
-            <a:solidFill>
-              <a:schemeClr val="tx1"/>
-            </a:solidFill>
-          </a:ln>
-        </p:spPr>
-        <p:style>
-          <a:lnRef idx="2">
-            <a:schemeClr val="dk1">
-              <a:shade val="50000"/>
-            </a:schemeClr>
-          </a:lnRef>
-          <a:fillRef idx="1">
-            <a:schemeClr val="dk1"/>
-          </a:fillRef>
-          <a:effectRef idx="0">
-            <a:schemeClr val="dk1"/>
-          </a:effectRef>
-          <a:fontRef idx="minor">
-            <a:schemeClr val="lt1"/>
-          </a:fontRef>
-        </p:style>
-        <p:txBody>
-          <a:bodyPr rot="0" spcFirstLastPara="0" vertOverflow="overflow" horzOverflow="overflow" vert="horz" wrap="square" lIns="137160" tIns="68580" rIns="137160" bIns="68580" numCol="1" spcCol="0" rtlCol="0" fromWordArt="0" anchor="ctr" anchorCtr="0" forceAA="0" compatLnSpc="1">
-            <a:prstTxWarp prst="textNoShape">
-              <a:avLst/>
-            </a:prstTxWarp>
-            <a:noAutofit/>
-          </a:bodyPr>
-          <a:lstStyle/>
-          <a:p>
-            <a:pPr algn="ctr"/>
-            <a:endParaRPr lang="en-US" sz="2700"/>
-          </a:p>
-        </p:txBody>
-      </p:sp>
-      <p:sp>
-        <p:nvSpPr>
-          <p:cNvPr id="43" name="Rounded Rectangle 42"/>
-          <p:cNvSpPr/>
-          <p:nvPr/>
-        </p:nvSpPr>
-        <p:spPr>
-          <a:xfrm>
-            <a:off x="15180933" y="718237"/>
-            <a:ext cx="2396852" cy="846863"/>
-          </a:xfrm>
-          <a:prstGeom prst="roundRect">
-            <a:avLst/>
-          </a:prstGeom>
-          <a:noFill/>
-          <a:ln>
-            <a:solidFill>
-              <a:schemeClr val="tx1"/>
-            </a:solidFill>
-          </a:ln>
-        </p:spPr>
-        <p:style>
-          <a:lnRef idx="2">
-            <a:schemeClr val="dk1">
-              <a:shade val="50000"/>
-            </a:schemeClr>
-          </a:lnRef>
-          <a:fillRef idx="1">
-            <a:schemeClr val="dk1"/>
-          </a:fillRef>
-          <a:effectRef idx="0">
-            <a:schemeClr val="dk1"/>
-          </a:effectRef>
-          <a:fontRef idx="minor">
-            <a:schemeClr val="lt1"/>
-          </a:fontRef>
-        </p:style>
-        <p:txBody>
-          <a:bodyPr rot="0" spcFirstLastPara="0" vertOverflow="overflow" horzOverflow="overflow" vert="horz" wrap="square" lIns="137160" tIns="68580" rIns="137160" bIns="68580" numCol="1" spcCol="0" rtlCol="0" fromWordArt="0" anchor="ctr" anchorCtr="0" forceAA="0" compatLnSpc="1">
-            <a:prstTxWarp prst="textNoShape">
-              <a:avLst/>
-            </a:prstTxWarp>
-            <a:noAutofit/>
-          </a:bodyPr>
-          <a:lstStyle/>
-          <a:p>
-            <a:pPr algn="ctr"/>
-            <a:endParaRPr lang="en-US" sz="2700"/>
-          </a:p>
-        </p:txBody>
-      </p:sp>
-      <p:sp>
-        <p:nvSpPr>
-          <p:cNvPr id="44" name="TextBox 43"/>
+          <p:cNvPr id="54" name="TextBox 53"/>
           <p:cNvSpPr txBox="1"/>
           <p:nvPr/>
         </p:nvSpPr>
         <p:spPr>
           <a:xfrm>
-            <a:off x="15180933" y="984379"/>
-            <a:ext cx="2528845" cy="369332"/>
+            <a:off x="651480" y="410460"/>
+            <a:ext cx="1460162" cy="369332"/>
           </a:xfrm>
           <a:prstGeom prst="rect">
             <a:avLst/>
@@ -3534,209 +3715,24 @@
           <a:p>
             <a:r>
               <a:rPr lang="en-US" dirty="0">
-                <a:solidFill>
-                  <a:srgbClr val="FF0000"/>
-                </a:solidFill>
                 <a:latin typeface="Arial" panose="020B0604020202020204" pitchFamily="34" charset="0"/>
                 <a:cs typeface="Arial" panose="020B0604020202020204" pitchFamily="34" charset="0"/>
               </a:rPr>
-              <a:t>Test input </a:t>
-            </a:r>
-            <a:r>
-              <a:rPr lang="en-US" dirty="0" smtClean="0">
-                <a:solidFill>
-                  <a:srgbClr val="FF0000"/>
-                </a:solidFill>
-                <a:latin typeface="Arial" panose="020B0604020202020204" pitchFamily="34" charset="0"/>
-                <a:cs typeface="Arial" panose="020B0604020202020204" pitchFamily="34" charset="0"/>
-              </a:rPr>
-              <a:t>Time Series</a:t>
-            </a:r>
-            <a:endParaRPr lang="en-US" dirty="0">
-              <a:solidFill>
-                <a:srgbClr val="FF0000"/>
-              </a:solidFill>
-              <a:latin typeface="Arial" panose="020B0604020202020204" pitchFamily="34" charset="0"/>
-              <a:cs typeface="Arial" panose="020B0604020202020204" pitchFamily="34" charset="0"/>
-            </a:endParaRPr>
-          </a:p>
-        </p:txBody>
-      </p:sp>
-      <p:sp>
-        <p:nvSpPr>
-          <p:cNvPr id="45" name="TextBox 44"/>
-          <p:cNvSpPr txBox="1"/>
-          <p:nvPr/>
-        </p:nvSpPr>
-        <p:spPr>
-          <a:xfrm>
-            <a:off x="11808206" y="1301861"/>
-            <a:ext cx="2308272" cy="969496"/>
-          </a:xfrm>
-          <a:prstGeom prst="rect">
-            <a:avLst/>
-          </a:prstGeom>
-          <a:noFill/>
-        </p:spPr>
-        <p:txBody>
-          <a:bodyPr wrap="square" rtlCol="0">
-            <a:spAutoFit/>
-          </a:bodyPr>
-          <a:lstStyle/>
-          <a:p>
-            <a:r>
-              <a:rPr lang="en-US" sz="1900" dirty="0">
-                <a:latin typeface="Arial" panose="020B0604020202020204" pitchFamily="34" charset="0"/>
-                <a:cs typeface="Arial" panose="020B0604020202020204" pitchFamily="34" charset="0"/>
-              </a:rPr>
-              <a:t>Logistic </a:t>
-            </a:r>
-            <a:r>
-              <a:rPr lang="en-US" sz="1900" dirty="0" smtClean="0">
-                <a:latin typeface="Arial" panose="020B0604020202020204" pitchFamily="34" charset="0"/>
-                <a:cs typeface="Arial" panose="020B0604020202020204" pitchFamily="34" charset="0"/>
-              </a:rPr>
-              <a:t>regression </a:t>
-            </a:r>
-          </a:p>
-          <a:p>
-            <a:r>
-              <a:rPr lang="en-US" sz="1900" dirty="0">
-                <a:latin typeface="Arial" panose="020B0604020202020204" pitchFamily="34" charset="0"/>
-                <a:cs typeface="Arial" panose="020B0604020202020204" pitchFamily="34" charset="0"/>
-              </a:rPr>
-              <a:t> </a:t>
-            </a:r>
-            <a:r>
-              <a:rPr lang="en-US" sz="1900" dirty="0" smtClean="0">
-                <a:latin typeface="Arial" panose="020B0604020202020204" pitchFamily="34" charset="0"/>
-                <a:cs typeface="Arial" panose="020B0604020202020204" pitchFamily="34" charset="0"/>
-              </a:rPr>
-              <a:t>              +</a:t>
-            </a:r>
-          </a:p>
-          <a:p>
-            <a:r>
-              <a:rPr lang="en-US" sz="1900" dirty="0">
-                <a:latin typeface="Arial" panose="020B0604020202020204" pitchFamily="34" charset="0"/>
-                <a:cs typeface="Arial" panose="020B0604020202020204" pitchFamily="34" charset="0"/>
-              </a:rPr>
-              <a:t> </a:t>
-            </a:r>
-            <a:r>
-              <a:rPr lang="en-US" sz="1900" dirty="0" smtClean="0">
-                <a:latin typeface="Arial" panose="020B0604020202020204" pitchFamily="34" charset="0"/>
-                <a:cs typeface="Arial" panose="020B0604020202020204" pitchFamily="34" charset="0"/>
-              </a:rPr>
-              <a:t>        Sparsity</a:t>
-            </a:r>
-            <a:endParaRPr lang="en-US" sz="1900" dirty="0">
-              <a:latin typeface="Arial" panose="020B0604020202020204" pitchFamily="34" charset="0"/>
-              <a:cs typeface="Arial" panose="020B0604020202020204" pitchFamily="34" charset="0"/>
-            </a:endParaRPr>
-          </a:p>
-        </p:txBody>
-      </p:sp>
-      <p:sp>
-        <p:nvSpPr>
-          <p:cNvPr id="46" name="TextBox 45"/>
-          <p:cNvSpPr txBox="1"/>
-          <p:nvPr/>
-        </p:nvSpPr>
-        <p:spPr>
-          <a:xfrm>
-            <a:off x="11895201" y="4752584"/>
-            <a:ext cx="2200949" cy="969496"/>
-          </a:xfrm>
-          <a:prstGeom prst="rect">
-            <a:avLst/>
-          </a:prstGeom>
-          <a:noFill/>
-        </p:spPr>
-        <p:txBody>
-          <a:bodyPr wrap="square" rtlCol="0">
-            <a:spAutoFit/>
-          </a:bodyPr>
-          <a:lstStyle/>
-          <a:p>
-            <a:r>
-              <a:rPr lang="en-US" sz="1900" dirty="0" smtClean="0">
-                <a:latin typeface="Arial" panose="020B0604020202020204" pitchFamily="34" charset="0"/>
-                <a:cs typeface="Arial" panose="020B0604020202020204" pitchFamily="34" charset="0"/>
-              </a:rPr>
-              <a:t>PCA subspace</a:t>
-            </a:r>
-          </a:p>
-          <a:p>
-            <a:r>
-              <a:rPr lang="en-US" sz="1900" dirty="0" smtClean="0">
-                <a:latin typeface="Arial" panose="020B0604020202020204" pitchFamily="34" charset="0"/>
-                <a:cs typeface="Arial" panose="020B0604020202020204" pitchFamily="34" charset="0"/>
-              </a:rPr>
-              <a:t>anomaly </a:t>
-            </a:r>
-            <a:r>
-              <a:rPr lang="en-US" sz="1900" dirty="0">
-                <a:latin typeface="Arial" panose="020B0604020202020204" pitchFamily="34" charset="0"/>
-                <a:cs typeface="Arial" panose="020B0604020202020204" pitchFamily="34" charset="0"/>
-              </a:rPr>
-              <a:t>detector</a:t>
-            </a:r>
-          </a:p>
-          <a:p>
-            <a:endParaRPr lang="en-US" sz="1900" dirty="0">
-              <a:latin typeface="Arial" panose="020B0604020202020204" pitchFamily="34" charset="0"/>
-              <a:cs typeface="Arial" panose="020B0604020202020204" pitchFamily="34" charset="0"/>
-            </a:endParaRPr>
-          </a:p>
-        </p:txBody>
-      </p:sp>
-      <p:sp>
-        <p:nvSpPr>
-          <p:cNvPr id="52" name="TextBox 51"/>
-          <p:cNvSpPr txBox="1"/>
-          <p:nvPr/>
-        </p:nvSpPr>
-        <p:spPr>
-          <a:xfrm>
-            <a:off x="6262764" y="4816759"/>
-            <a:ext cx="2457968" cy="677108"/>
-          </a:xfrm>
-          <a:prstGeom prst="rect">
-            <a:avLst/>
-          </a:prstGeom>
-          <a:noFill/>
-        </p:spPr>
-        <p:txBody>
-          <a:bodyPr wrap="square" rtlCol="0">
-            <a:spAutoFit/>
-          </a:bodyPr>
-          <a:lstStyle/>
-          <a:p>
-            <a:r>
-              <a:rPr lang="en-US" sz="1900" dirty="0" smtClean="0">
-                <a:latin typeface="Arial" panose="020B0604020202020204" pitchFamily="34" charset="0"/>
-                <a:cs typeface="Arial" panose="020B0604020202020204" pitchFamily="34" charset="0"/>
-              </a:rPr>
-              <a:t>Time series – Forum Statistics</a:t>
-            </a:r>
-            <a:endParaRPr lang="en-US" sz="1900" dirty="0">
-              <a:latin typeface="Arial" panose="020B0604020202020204" pitchFamily="34" charset="0"/>
-              <a:cs typeface="Arial" panose="020B0604020202020204" pitchFamily="34" charset="0"/>
-            </a:endParaRPr>
-          </a:p>
-        </p:txBody>
-      </p:sp>
-      <p:sp>
-        <p:nvSpPr>
-          <p:cNvPr id="53" name="Rounded Rectangle 52"/>
+              <a:t>Top CPEs</a:t>
+            </a:r>
+          </a:p>
+        </p:txBody>
+      </p:sp>
+      <p:sp>
+        <p:nvSpPr>
+          <p:cNvPr id="55" name="Rounded Rectangle 54"/>
           <p:cNvSpPr/>
           <p:nvPr/>
         </p:nvSpPr>
         <p:spPr>
           <a:xfrm>
-            <a:off x="575552" y="241457"/>
-            <a:ext cx="1219093" cy="723542"/>
+            <a:off x="575552" y="1351818"/>
+            <a:ext cx="1185545" cy="743105"/>
           </a:xfrm>
           <a:prstGeom prst="roundRect">
             <a:avLst/>
@@ -3780,14 +3776,14 @@
       </p:sp>
       <p:sp>
         <p:nvSpPr>
-          <p:cNvPr id="54" name="TextBox 53"/>
+          <p:cNvPr id="56" name="TextBox 55"/>
           <p:cNvSpPr txBox="1"/>
           <p:nvPr/>
         </p:nvSpPr>
         <p:spPr>
           <a:xfrm>
-            <a:off x="651480" y="410460"/>
-            <a:ext cx="1460162" cy="369332"/>
+            <a:off x="653408" y="1438168"/>
+            <a:ext cx="1605963" cy="646331"/>
           </a:xfrm>
           <a:prstGeom prst="rect">
             <a:avLst/>
@@ -3805,21 +3801,30 @@
                 <a:latin typeface="Arial" panose="020B0604020202020204" pitchFamily="34" charset="0"/>
                 <a:cs typeface="Arial" panose="020B0604020202020204" pitchFamily="34" charset="0"/>
               </a:rPr>
-              <a:t>Top CPEs</a:t>
-            </a:r>
-          </a:p>
-        </p:txBody>
-      </p:sp>
-      <p:sp>
-        <p:nvSpPr>
-          <p:cNvPr id="55" name="Rounded Rectangle 54"/>
+              <a:t>CVE </a:t>
+            </a:r>
+          </a:p>
+          <a:p>
+            <a:r>
+              <a:rPr lang="en-US" dirty="0">
+                <a:latin typeface="Arial" panose="020B0604020202020204" pitchFamily="34" charset="0"/>
+                <a:cs typeface="Arial" panose="020B0604020202020204" pitchFamily="34" charset="0"/>
+              </a:rPr>
+              <a:t>mentions</a:t>
+            </a:r>
+          </a:p>
+        </p:txBody>
+      </p:sp>
+      <p:sp>
+        <p:nvSpPr>
+          <p:cNvPr id="57" name="Rounded Rectangle 56"/>
           <p:cNvSpPr/>
           <p:nvPr/>
         </p:nvSpPr>
         <p:spPr>
           <a:xfrm>
-            <a:off x="575552" y="1351818"/>
-            <a:ext cx="1185545" cy="743105"/>
+            <a:off x="575552" y="2466154"/>
+            <a:ext cx="1242401" cy="748750"/>
           </a:xfrm>
           <a:prstGeom prst="roundRect">
             <a:avLst/>
@@ -3863,14 +3868,14 @@
       </p:sp>
       <p:sp>
         <p:nvSpPr>
-          <p:cNvPr id="56" name="TextBox 55"/>
+          <p:cNvPr id="58" name="TextBox 57"/>
           <p:cNvSpPr txBox="1"/>
           <p:nvPr/>
         </p:nvSpPr>
         <p:spPr>
           <a:xfrm>
-            <a:off x="653408" y="1438168"/>
-            <a:ext cx="1605963" cy="646331"/>
+            <a:off x="651480" y="2645726"/>
+            <a:ext cx="1460162" cy="369332"/>
           </a:xfrm>
           <a:prstGeom prst="rect">
             <a:avLst/>
@@ -3888,30 +3893,120 @@
                 <a:latin typeface="Arial" panose="020B0604020202020204" pitchFamily="34" charset="0"/>
                 <a:cs typeface="Arial" panose="020B0604020202020204" pitchFamily="34" charset="0"/>
               </a:rPr>
-              <a:t>CVE </a:t>
-            </a:r>
-          </a:p>
-          <a:p>
-            <a:r>
-              <a:rPr lang="en-US" dirty="0">
-                <a:latin typeface="Arial" panose="020B0604020202020204" pitchFamily="34" charset="0"/>
-                <a:cs typeface="Arial" panose="020B0604020202020204" pitchFamily="34" charset="0"/>
-              </a:rPr>
-              <a:t>mentions</a:t>
-            </a:r>
-          </a:p>
-        </p:txBody>
-      </p:sp>
-      <p:sp>
-        <p:nvSpPr>
-          <p:cNvPr id="57" name="Rounded Rectangle 56"/>
+              <a:t>In-degree</a:t>
+            </a:r>
+          </a:p>
+        </p:txBody>
+      </p:sp>
+      <p:cxnSp>
+        <p:nvCxnSpPr>
+          <p:cNvPr id="60" name="Straight Arrow Connector 59"/>
+          <p:cNvCxnSpPr/>
+          <p:nvPr/>
+        </p:nvCxnSpPr>
+        <p:spPr>
+          <a:xfrm>
+            <a:off x="1886197" y="606606"/>
+            <a:ext cx="841677" cy="782640"/>
+          </a:xfrm>
+          <a:prstGeom prst="straightConnector1">
+            <a:avLst/>
+          </a:prstGeom>
+          <a:ln w="19050">
+            <a:tailEnd type="triangle"/>
+          </a:ln>
+        </p:spPr>
+        <p:style>
+          <a:lnRef idx="1">
+            <a:schemeClr val="dk1"/>
+          </a:lnRef>
+          <a:fillRef idx="0">
+            <a:schemeClr val="dk1"/>
+          </a:fillRef>
+          <a:effectRef idx="0">
+            <a:schemeClr val="dk1"/>
+          </a:effectRef>
+          <a:fontRef idx="minor">
+            <a:schemeClr val="tx1"/>
+          </a:fontRef>
+        </p:style>
+      </p:cxnSp>
+      <p:cxnSp>
+        <p:nvCxnSpPr>
+          <p:cNvPr id="62" name="Straight Arrow Connector 61"/>
+          <p:cNvCxnSpPr/>
+          <p:nvPr/>
+        </p:nvCxnSpPr>
+        <p:spPr>
+          <a:xfrm>
+            <a:off x="1798467" y="1666444"/>
+            <a:ext cx="626349" cy="0"/>
+          </a:xfrm>
+          <a:prstGeom prst="straightConnector1">
+            <a:avLst/>
+          </a:prstGeom>
+          <a:ln w="19050">
+            <a:tailEnd type="triangle"/>
+          </a:ln>
+        </p:spPr>
+        <p:style>
+          <a:lnRef idx="1">
+            <a:schemeClr val="dk1"/>
+          </a:lnRef>
+          <a:fillRef idx="0">
+            <a:schemeClr val="dk1"/>
+          </a:fillRef>
+          <a:effectRef idx="0">
+            <a:schemeClr val="dk1"/>
+          </a:effectRef>
+          <a:fontRef idx="minor">
+            <a:schemeClr val="tx1"/>
+          </a:fontRef>
+        </p:style>
+      </p:cxnSp>
+      <p:cxnSp>
+        <p:nvCxnSpPr>
+          <p:cNvPr id="64" name="Straight Arrow Connector 63"/>
+          <p:cNvCxnSpPr/>
+          <p:nvPr/>
+        </p:nvCxnSpPr>
+        <p:spPr>
+          <a:xfrm flipV="1">
+            <a:off x="1855323" y="2216016"/>
+            <a:ext cx="569493" cy="514540"/>
+          </a:xfrm>
+          <a:prstGeom prst="straightConnector1">
+            <a:avLst/>
+          </a:prstGeom>
+          <a:ln w="19050">
+            <a:tailEnd type="triangle"/>
+          </a:ln>
+        </p:spPr>
+        <p:style>
+          <a:lnRef idx="1">
+            <a:schemeClr val="dk1"/>
+          </a:lnRef>
+          <a:fillRef idx="0">
+            <a:schemeClr val="dk1"/>
+          </a:fillRef>
+          <a:effectRef idx="0">
+            <a:schemeClr val="dk1"/>
+          </a:effectRef>
+          <a:fontRef idx="minor">
+            <a:schemeClr val="tx1"/>
+          </a:fontRef>
+        </p:style>
+      </p:cxnSp>
+      <p:sp>
+        <p:nvSpPr>
+          <p:cNvPr id="67" name="Rounded Rectangle 66"/>
           <p:cNvSpPr/>
           <p:nvPr/>
         </p:nvSpPr>
         <p:spPr>
           <a:xfrm>
-            <a:off x="575552" y="2466154"/>
-            <a:ext cx="1242401" cy="748750"/>
+            <a:off x="2802202" y="4801180"/>
+            <a:ext cx="1025182" cy="738854"/>
           </a:xfrm>
           <a:prstGeom prst="roundRect">
             <a:avLst/>
@@ -3955,14 +4050,14 @@
       </p:sp>
       <p:sp>
         <p:nvSpPr>
-          <p:cNvPr id="58" name="TextBox 57"/>
+          <p:cNvPr id="68" name="TextBox 67"/>
           <p:cNvSpPr txBox="1"/>
           <p:nvPr/>
         </p:nvSpPr>
         <p:spPr>
           <a:xfrm>
-            <a:off x="651480" y="2645726"/>
-            <a:ext cx="1460162" cy="369332"/>
+            <a:off x="2911659" y="4862926"/>
+            <a:ext cx="1636476" cy="677108"/>
           </a:xfrm>
           <a:prstGeom prst="rect">
             <a:avLst/>
@@ -3976,124 +4071,38 @@
           <a:lstStyle/>
           <a:p>
             <a:r>
-              <a:rPr lang="en-US" dirty="0">
+              <a:rPr lang="en-US" sz="1900" dirty="0" smtClean="0">
                 <a:latin typeface="Arial" panose="020B0604020202020204" pitchFamily="34" charset="0"/>
                 <a:cs typeface="Arial" panose="020B0604020202020204" pitchFamily="34" charset="0"/>
               </a:rPr>
-              <a:t>In-degree</a:t>
-            </a:r>
-          </a:p>
-        </p:txBody>
-      </p:sp>
-      <p:cxnSp>
-        <p:nvCxnSpPr>
-          <p:cNvPr id="60" name="Straight Arrow Connector 59"/>
-          <p:cNvCxnSpPr/>
-          <p:nvPr/>
-        </p:nvCxnSpPr>
-        <p:spPr>
-          <a:xfrm>
-            <a:off x="1886197" y="606606"/>
-            <a:ext cx="841677" cy="782640"/>
-          </a:xfrm>
-          <a:prstGeom prst="straightConnector1">
-            <a:avLst/>
-          </a:prstGeom>
-          <a:ln w="19050">
-            <a:tailEnd type="triangle"/>
-          </a:ln>
-        </p:spPr>
-        <p:style>
-          <a:lnRef idx="1">
-            <a:schemeClr val="dk1"/>
-          </a:lnRef>
-          <a:fillRef idx="0">
-            <a:schemeClr val="dk1"/>
-          </a:fillRef>
-          <a:effectRef idx="0">
-            <a:schemeClr val="dk1"/>
-          </a:effectRef>
-          <a:fontRef idx="minor">
-            <a:schemeClr val="tx1"/>
-          </a:fontRef>
-        </p:style>
-      </p:cxnSp>
-      <p:cxnSp>
-        <p:nvCxnSpPr>
-          <p:cNvPr id="62" name="Straight Arrow Connector 61"/>
-          <p:cNvCxnSpPr/>
-          <p:nvPr/>
-        </p:nvCxnSpPr>
-        <p:spPr>
-          <a:xfrm>
-            <a:off x="1798467" y="1666444"/>
-            <a:ext cx="626349" cy="0"/>
-          </a:xfrm>
-          <a:prstGeom prst="straightConnector1">
-            <a:avLst/>
-          </a:prstGeom>
-          <a:ln w="19050">
-            <a:tailEnd type="triangle"/>
-          </a:ln>
-        </p:spPr>
-        <p:style>
-          <a:lnRef idx="1">
-            <a:schemeClr val="dk1"/>
-          </a:lnRef>
-          <a:fillRef idx="0">
-            <a:schemeClr val="dk1"/>
-          </a:fillRef>
-          <a:effectRef idx="0">
-            <a:schemeClr val="dk1"/>
-          </a:effectRef>
-          <a:fontRef idx="minor">
-            <a:schemeClr val="tx1"/>
-          </a:fontRef>
-        </p:style>
-      </p:cxnSp>
-      <p:cxnSp>
-        <p:nvCxnSpPr>
-          <p:cNvPr id="64" name="Straight Arrow Connector 63"/>
-          <p:cNvCxnSpPr/>
-          <p:nvPr/>
-        </p:nvCxnSpPr>
-        <p:spPr>
-          <a:xfrm flipV="1">
-            <a:off x="1855323" y="2216016"/>
-            <a:ext cx="569493" cy="514540"/>
-          </a:xfrm>
-          <a:prstGeom prst="straightConnector1">
-            <a:avLst/>
-          </a:prstGeom>
-          <a:ln w="19050">
-            <a:tailEnd type="triangle"/>
-          </a:ln>
-        </p:spPr>
-        <p:style>
-          <a:lnRef idx="1">
-            <a:schemeClr val="dk1"/>
-          </a:lnRef>
-          <a:fillRef idx="0">
-            <a:schemeClr val="dk1"/>
-          </a:fillRef>
-          <a:effectRef idx="0">
-            <a:schemeClr val="dk1"/>
-          </a:effectRef>
-          <a:fontRef idx="minor">
-            <a:schemeClr val="tx1"/>
-          </a:fontRef>
-        </p:style>
-      </p:cxnSp>
-      <p:sp>
-        <p:nvSpPr>
-          <p:cNvPr id="67" name="Rounded Rectangle 66"/>
+              <a:t>Expert </a:t>
+            </a:r>
+          </a:p>
+          <a:p>
+            <a:r>
+              <a:rPr lang="en-US" sz="1900" dirty="0" smtClean="0">
+                <a:latin typeface="Arial" panose="020B0604020202020204" pitchFamily="34" charset="0"/>
+                <a:cs typeface="Arial" panose="020B0604020202020204" pitchFamily="34" charset="0"/>
+              </a:rPr>
+              <a:t>Users</a:t>
+            </a:r>
+            <a:endParaRPr lang="en-US" sz="1900" dirty="0">
+              <a:latin typeface="Arial" panose="020B0604020202020204" pitchFamily="34" charset="0"/>
+              <a:cs typeface="Arial" panose="020B0604020202020204" pitchFamily="34" charset="0"/>
+            </a:endParaRPr>
+          </a:p>
+        </p:txBody>
+      </p:sp>
+      <p:sp>
+        <p:nvSpPr>
+          <p:cNvPr id="78" name="Rounded Rectangle 77"/>
           <p:cNvSpPr/>
           <p:nvPr/>
         </p:nvSpPr>
         <p:spPr>
           <a:xfrm>
-            <a:off x="2802202" y="4801180"/>
-            <a:ext cx="1025182" cy="738854"/>
+            <a:off x="2780448" y="433790"/>
+            <a:ext cx="1798031" cy="739883"/>
           </a:xfrm>
           <a:prstGeom prst="roundRect">
             <a:avLst/>
@@ -4137,14 +4146,14 @@
       </p:sp>
       <p:sp>
         <p:nvSpPr>
-          <p:cNvPr id="68" name="TextBox 67"/>
+          <p:cNvPr id="79" name="TextBox 78"/>
           <p:cNvSpPr txBox="1"/>
           <p:nvPr/>
         </p:nvSpPr>
         <p:spPr>
           <a:xfrm>
-            <a:off x="2911659" y="4862926"/>
-            <a:ext cx="1636476" cy="677108"/>
+            <a:off x="6257081" y="3392645"/>
+            <a:ext cx="2387765" cy="584775"/>
           </a:xfrm>
           <a:prstGeom prst="rect">
             <a:avLst/>
@@ -4158,22 +4167,23 @@
           <a:lstStyle/>
           <a:p>
             <a:r>
-              <a:rPr lang="en-US" sz="1900" dirty="0" smtClean="0">
+              <a:rPr lang="en-US" sz="1600" b="1" dirty="0" smtClean="0">
+                <a:solidFill>
+                  <a:srgbClr val="FF0000"/>
+                </a:solidFill>
                 <a:latin typeface="Arial" panose="020B0604020202020204" pitchFamily="34" charset="0"/>
                 <a:cs typeface="Arial" panose="020B0604020202020204" pitchFamily="34" charset="0"/>
               </a:rPr>
-              <a:t>Expert </a:t>
-            </a:r>
-          </a:p>
-          <a:p>
-            <a:r>
-              <a:rPr lang="en-US" sz="1900" dirty="0" smtClean="0">
+              <a:t>Input</a:t>
+            </a:r>
+            <a:r>
+              <a:rPr lang="en-US" sz="1600" b="1" dirty="0" smtClean="0">
                 <a:latin typeface="Arial" panose="020B0604020202020204" pitchFamily="34" charset="0"/>
                 <a:cs typeface="Arial" panose="020B0604020202020204" pitchFamily="34" charset="0"/>
               </a:rPr>
-              <a:t>Users</a:t>
-            </a:r>
-            <a:endParaRPr lang="en-US" sz="1900" dirty="0">
+              <a:t> – Daily forum posts/user information</a:t>
+            </a:r>
+            <a:endParaRPr lang="en-US" sz="1600" b="1" dirty="0">
               <a:latin typeface="Arial" panose="020B0604020202020204" pitchFamily="34" charset="0"/>
               <a:cs typeface="Arial" panose="020B0604020202020204" pitchFamily="34" charset="0"/>
             </a:endParaRPr>
@@ -4182,14 +4192,14 @@
       </p:sp>
       <p:sp>
         <p:nvSpPr>
-          <p:cNvPr id="78" name="Rounded Rectangle 77"/>
+          <p:cNvPr id="83" name="Rounded Rectangle 82"/>
           <p:cNvSpPr/>
           <p:nvPr/>
         </p:nvSpPr>
         <p:spPr>
           <a:xfrm>
-            <a:off x="2780448" y="433790"/>
-            <a:ext cx="1798031" cy="739883"/>
+            <a:off x="5936415" y="619510"/>
+            <a:ext cx="2466837" cy="1311078"/>
           </a:xfrm>
           <a:prstGeom prst="roundRect">
             <a:avLst/>
@@ -4233,14 +4243,14 @@
       </p:sp>
       <p:sp>
         <p:nvSpPr>
-          <p:cNvPr id="79" name="TextBox 78"/>
+          <p:cNvPr id="84" name="TextBox 83"/>
           <p:cNvSpPr txBox="1"/>
           <p:nvPr/>
         </p:nvSpPr>
         <p:spPr>
           <a:xfrm>
-            <a:off x="6257081" y="3392645"/>
-            <a:ext cx="2387765" cy="584775"/>
+            <a:off x="6166991" y="606271"/>
+            <a:ext cx="2206244" cy="553998"/>
           </a:xfrm>
           <a:prstGeom prst="rect">
             <a:avLst/>
@@ -4254,23 +4264,13 @@
           <a:lstStyle/>
           <a:p>
             <a:r>
-              <a:rPr lang="en-US" sz="1600" b="1" dirty="0" smtClean="0">
-                <a:solidFill>
-                  <a:srgbClr val="FF0000"/>
-                </a:solidFill>
+              <a:rPr lang="en-US" sz="1500" dirty="0" smtClean="0">
                 <a:latin typeface="Arial" panose="020B0604020202020204" pitchFamily="34" charset="0"/>
                 <a:cs typeface="Arial" panose="020B0604020202020204" pitchFamily="34" charset="0"/>
               </a:rPr>
-              <a:t>Input</a:t>
-            </a:r>
-            <a:r>
-              <a:rPr lang="en-US" sz="1600" b="1" dirty="0" smtClean="0">
-                <a:latin typeface="Arial" panose="020B0604020202020204" pitchFamily="34" charset="0"/>
-                <a:cs typeface="Arial" panose="020B0604020202020204" pitchFamily="34" charset="0"/>
-              </a:rPr>
-              <a:t> – Daily forum posts/user information</a:t>
-            </a:r>
-            <a:endParaRPr lang="en-US" sz="1600" b="1" dirty="0">
+              <a:t>Time series – Network interaction statistics</a:t>
+            </a:r>
+            <a:endParaRPr lang="en-US" sz="1500" dirty="0">
               <a:latin typeface="Arial" panose="020B0604020202020204" pitchFamily="34" charset="0"/>
               <a:cs typeface="Arial" panose="020B0604020202020204" pitchFamily="34" charset="0"/>
             </a:endParaRPr>
@@ -4279,7 +4279,7 @@
       </p:sp>
       <p:pic>
         <p:nvPicPr>
-          <p:cNvPr id="81" name="Picture 80"/>
+          <p:cNvPr id="85" name="Picture 84"/>
           <p:cNvPicPr>
             <a:picLocks noChangeAspect="1"/>
           </p:cNvPicPr>
@@ -4299,8 +4299,8 @@
         </p:blipFill>
         <p:spPr>
           <a:xfrm>
-            <a:off x="6567376" y="5480991"/>
-            <a:ext cx="1451660" cy="967773"/>
+            <a:off x="6519153" y="1088902"/>
+            <a:ext cx="1116853" cy="744569"/>
           </a:xfrm>
           <a:prstGeom prst="rect">
             <a:avLst/>
@@ -4309,14 +4309,14 @@
       </p:pic>
       <p:sp>
         <p:nvSpPr>
-          <p:cNvPr id="83" name="Rounded Rectangle 82"/>
+          <p:cNvPr id="92" name="Rounded Rectangle 91"/>
           <p:cNvSpPr/>
           <p:nvPr/>
         </p:nvSpPr>
         <p:spPr>
           <a:xfrm>
-            <a:off x="5959508" y="793031"/>
-            <a:ext cx="2840534" cy="1878810"/>
+            <a:off x="6034218" y="3214904"/>
+            <a:ext cx="2733947" cy="917210"/>
           </a:xfrm>
           <a:prstGeom prst="roundRect">
             <a:avLst/>
@@ -4360,123 +4360,6 @@
       </p:sp>
       <p:sp>
         <p:nvSpPr>
-          <p:cNvPr id="84" name="TextBox 83"/>
-          <p:cNvSpPr txBox="1"/>
-          <p:nvPr/>
-        </p:nvSpPr>
-        <p:spPr>
-          <a:xfrm>
-            <a:off x="6190438" y="964999"/>
-            <a:ext cx="2599864" cy="677108"/>
-          </a:xfrm>
-          <a:prstGeom prst="rect">
-            <a:avLst/>
-          </a:prstGeom>
-          <a:noFill/>
-        </p:spPr>
-        <p:txBody>
-          <a:bodyPr wrap="square" rtlCol="0">
-            <a:spAutoFit/>
-          </a:bodyPr>
-          <a:lstStyle/>
-          <a:p>
-            <a:r>
-              <a:rPr lang="en-US" sz="1900" dirty="0" smtClean="0">
-                <a:latin typeface="Arial" panose="020B0604020202020204" pitchFamily="34" charset="0"/>
-                <a:cs typeface="Arial" panose="020B0604020202020204" pitchFamily="34" charset="0"/>
-              </a:rPr>
-              <a:t>Time series – Network interaction statistics</a:t>
-            </a:r>
-            <a:endParaRPr lang="en-US" sz="1900" dirty="0">
-              <a:latin typeface="Arial" panose="020B0604020202020204" pitchFamily="34" charset="0"/>
-              <a:cs typeface="Arial" panose="020B0604020202020204" pitchFamily="34" charset="0"/>
-            </a:endParaRPr>
-          </a:p>
-        </p:txBody>
-      </p:sp>
-      <p:pic>
-        <p:nvPicPr>
-          <p:cNvPr id="85" name="Picture 84"/>
-          <p:cNvPicPr>
-            <a:picLocks noChangeAspect="1"/>
-          </p:cNvPicPr>
-          <p:nvPr/>
-        </p:nvPicPr>
-        <p:blipFill>
-          <a:blip r:embed="rId6" cstate="print">
-            <a:extLst>
-              <a:ext uri="{28A0092B-C50C-407E-A947-70E740481C1C}">
-                <a14:useLocalDpi xmlns:a14="http://schemas.microsoft.com/office/drawing/2010/main" val="0"/>
-              </a:ext>
-            </a:extLst>
-          </a:blip>
-          <a:stretch>
-            <a:fillRect/>
-          </a:stretch>
-        </p:blipFill>
-        <p:spPr>
-          <a:xfrm>
-            <a:off x="6541057" y="1581777"/>
-            <a:ext cx="1588753" cy="1059169"/>
-          </a:xfrm>
-          <a:prstGeom prst="rect">
-            <a:avLst/>
-          </a:prstGeom>
-        </p:spPr>
-      </p:pic>
-      <p:sp>
-        <p:nvSpPr>
-          <p:cNvPr id="92" name="Rounded Rectangle 91"/>
-          <p:cNvSpPr/>
-          <p:nvPr/>
-        </p:nvSpPr>
-        <p:spPr>
-          <a:xfrm>
-            <a:off x="6034218" y="3214904"/>
-            <a:ext cx="2733947" cy="917210"/>
-          </a:xfrm>
-          <a:prstGeom prst="roundRect">
-            <a:avLst/>
-          </a:prstGeom>
-          <a:noFill/>
-          <a:ln>
-            <a:solidFill>
-              <a:schemeClr val="tx1"/>
-            </a:solidFill>
-          </a:ln>
-        </p:spPr>
-        <p:style>
-          <a:lnRef idx="2">
-            <a:schemeClr val="accent1">
-              <a:shade val="50000"/>
-            </a:schemeClr>
-          </a:lnRef>
-          <a:fillRef idx="1">
-            <a:schemeClr val="accent1"/>
-          </a:fillRef>
-          <a:effectRef idx="0">
-            <a:schemeClr val="accent1"/>
-          </a:effectRef>
-          <a:fontRef idx="minor">
-            <a:schemeClr val="lt1"/>
-          </a:fontRef>
-        </p:style>
-        <p:txBody>
-          <a:bodyPr rot="0" spcFirstLastPara="0" vertOverflow="overflow" horzOverflow="overflow" vert="horz" wrap="square" lIns="137160" tIns="68580" rIns="137160" bIns="68580" numCol="1" spcCol="0" rtlCol="0" fromWordArt="0" anchor="ctr" anchorCtr="0" forceAA="0" compatLnSpc="1">
-            <a:prstTxWarp prst="textNoShape">
-              <a:avLst/>
-            </a:prstTxWarp>
-            <a:noAutofit/>
-          </a:bodyPr>
-          <a:lstStyle/>
-          <a:p>
-            <a:pPr algn="ctr"/>
-            <a:endParaRPr lang="en-US" sz="2700"/>
-          </a:p>
-        </p:txBody>
-      </p:sp>
-      <p:sp>
-        <p:nvSpPr>
           <p:cNvPr id="93" name="TextBox 92"/>
           <p:cNvSpPr txBox="1"/>
           <p:nvPr/>
@@ -4514,15 +4397,13 @@
       <p:cxnSp>
         <p:nvCxnSpPr>
           <p:cNvPr id="97" name="Straight Arrow Connector 96"/>
-          <p:cNvCxnSpPr>
-            <a:stCxn id="27" idx="2"/>
-          </p:cNvCxnSpPr>
+          <p:cNvCxnSpPr/>
           <p:nvPr/>
         </p:nvCxnSpPr>
         <p:spPr>
           <a:xfrm flipH="1">
-            <a:off x="3396804" y="2953503"/>
-            <a:ext cx="1" cy="686589"/>
+            <a:off x="3367183" y="3010882"/>
+            <a:ext cx="1" cy="490031"/>
           </a:xfrm>
           <a:prstGeom prst="straightConnector1">
             <a:avLst/>
@@ -4549,15 +4430,13 @@
       <p:cxnSp>
         <p:nvCxnSpPr>
           <p:cNvPr id="106" name="Straight Arrow Connector 105"/>
-          <p:cNvCxnSpPr>
-            <a:endCxn id="36" idx="1"/>
-          </p:cNvCxnSpPr>
+          <p:cNvCxnSpPr/>
           <p:nvPr/>
         </p:nvCxnSpPr>
         <p:spPr>
           <a:xfrm>
             <a:off x="4046448" y="4132114"/>
-            <a:ext cx="1943207" cy="1494079"/>
+            <a:ext cx="1885103" cy="1407920"/>
           </a:xfrm>
           <a:prstGeom prst="straightConnector1">
             <a:avLst/>
@@ -4589,79 +4468,8 @@
         </p:nvCxnSpPr>
         <p:spPr>
           <a:xfrm flipV="1">
-            <a:off x="4028582" y="2350664"/>
-            <a:ext cx="1856273" cy="1526856"/>
-          </a:xfrm>
-          <a:prstGeom prst="straightConnector1">
-            <a:avLst/>
-          </a:prstGeom>
-          <a:ln w="28575">
-            <a:tailEnd type="triangle"/>
-          </a:ln>
-        </p:spPr>
-        <p:style>
-          <a:lnRef idx="1">
-            <a:schemeClr val="dk1"/>
-          </a:lnRef>
-          <a:fillRef idx="0">
-            <a:schemeClr val="dk1"/>
-          </a:fillRef>
-          <a:effectRef idx="0">
-            <a:schemeClr val="dk1"/>
-          </a:effectRef>
-          <a:fontRef idx="minor">
-            <a:schemeClr val="tx1"/>
-          </a:fontRef>
-        </p:style>
-      </p:cxnSp>
-      <p:cxnSp>
-        <p:nvCxnSpPr>
-          <p:cNvPr id="112" name="Straight Arrow Connector 111"/>
-          <p:cNvCxnSpPr>
-            <a:stCxn id="92" idx="2"/>
-            <a:endCxn id="36" idx="0"/>
-          </p:cNvCxnSpPr>
-          <p:nvPr/>
-        </p:nvCxnSpPr>
-        <p:spPr>
-          <a:xfrm>
-            <a:off x="7401192" y="4132114"/>
-            <a:ext cx="8730" cy="554674"/>
-          </a:xfrm>
-          <a:prstGeom prst="straightConnector1">
-            <a:avLst/>
-          </a:prstGeom>
-          <a:ln w="28575">
-            <a:tailEnd type="triangle"/>
-          </a:ln>
-        </p:spPr>
-        <p:style>
-          <a:lnRef idx="1">
-            <a:schemeClr val="dk1"/>
-          </a:lnRef>
-          <a:fillRef idx="0">
-            <a:schemeClr val="dk1"/>
-          </a:fillRef>
-          <a:effectRef idx="0">
-            <a:schemeClr val="dk1"/>
-          </a:effectRef>
-          <a:fontRef idx="minor">
-            <a:schemeClr val="tx1"/>
-          </a:fontRef>
-        </p:style>
-      </p:cxnSp>
-      <p:cxnSp>
-        <p:nvCxnSpPr>
-          <p:cNvPr id="115" name="Straight Arrow Connector 114"/>
-          <p:cNvCxnSpPr>
-            <a:stCxn id="92" idx="0"/>
-          </p:cNvCxnSpPr>
-          <p:nvPr/>
-        </p:nvCxnSpPr>
-        <p:spPr>
-          <a:xfrm flipV="1">
-            <a:off x="7401192" y="2666036"/>
-            <a:ext cx="4365" cy="548868"/>
+            <a:off x="3787639" y="2659075"/>
+            <a:ext cx="2987185" cy="997749"/>
           </a:xfrm>
           <a:prstGeom prst="straightConnector1">
             <a:avLst/>
@@ -4982,15 +4790,13 @@
       <p:cxnSp>
         <p:nvCxnSpPr>
           <p:cNvPr id="128" name="Straight Arrow Connector 127"/>
-          <p:cNvCxnSpPr>
-            <a:endCxn id="22" idx="1"/>
-          </p:cNvCxnSpPr>
+          <p:cNvCxnSpPr/>
           <p:nvPr/>
         </p:nvCxnSpPr>
         <p:spPr>
-          <a:xfrm>
-            <a:off x="8837412" y="1861179"/>
-            <a:ext cx="1461432" cy="12244"/>
+          <a:xfrm flipV="1">
+            <a:off x="8616685" y="1236776"/>
+            <a:ext cx="1440560" cy="28893"/>
           </a:xfrm>
           <a:prstGeom prst="straightConnector1">
             <a:avLst/>
@@ -5023,8 +4829,8 @@
         </p:nvCxnSpPr>
         <p:spPr>
           <a:xfrm>
-            <a:off x="8794746" y="2094924"/>
-            <a:ext cx="1489756" cy="3032484"/>
+            <a:off x="8552879" y="1461186"/>
+            <a:ext cx="1731623" cy="3666222"/>
           </a:xfrm>
           <a:prstGeom prst="straightConnector1">
             <a:avLst/>
@@ -5057,7 +4863,7 @@
         </p:nvCxnSpPr>
         <p:spPr>
           <a:xfrm flipV="1">
-            <a:off x="8892153" y="5871079"/>
+            <a:off x="8725033" y="5722080"/>
             <a:ext cx="1383541" cy="19116"/>
           </a:xfrm>
           <a:prstGeom prst="straightConnector1">
@@ -5091,8 +4897,8 @@
         </p:nvCxnSpPr>
         <p:spPr>
           <a:xfrm flipV="1">
-            <a:off x="8834740" y="2260962"/>
-            <a:ext cx="1406986" cy="3353917"/>
+            <a:off x="8675739" y="2260963"/>
+            <a:ext cx="1565987" cy="3234175"/>
           </a:xfrm>
           <a:prstGeom prst="straightConnector1">
             <a:avLst/>
@@ -5222,41 +5028,6 @@
           </a:p>
         </p:txBody>
       </p:sp>
-      <p:cxnSp>
-        <p:nvCxnSpPr>
-          <p:cNvPr id="159" name="Straight Arrow Connector 158"/>
-          <p:cNvCxnSpPr>
-            <a:stCxn id="27" idx="3"/>
-          </p:cNvCxnSpPr>
-          <p:nvPr/>
-        </p:nvCxnSpPr>
-        <p:spPr>
-          <a:xfrm>
-            <a:off x="4555201" y="2095643"/>
-            <a:ext cx="1404307" cy="0"/>
-          </a:xfrm>
-          <a:prstGeom prst="straightConnector1">
-            <a:avLst/>
-          </a:prstGeom>
-          <a:ln w="28575">
-            <a:tailEnd type="triangle"/>
-          </a:ln>
-        </p:spPr>
-        <p:style>
-          <a:lnRef idx="1">
-            <a:schemeClr val="dk1"/>
-          </a:lnRef>
-          <a:fillRef idx="0">
-            <a:schemeClr val="dk1"/>
-          </a:fillRef>
-          <a:effectRef idx="0">
-            <a:schemeClr val="dk1"/>
-          </a:effectRef>
-          <a:fontRef idx="minor">
-            <a:schemeClr val="tx1"/>
-          </a:fontRef>
-        </p:style>
-      </p:cxnSp>
       <p:pic>
         <p:nvPicPr>
           <p:cNvPr id="2" name="Picture 1"/>
@@ -5374,6 +5145,306 @@
             <a:avLst/>
           </a:prstGeom>
           <a:ln w="28575">
+            <a:tailEnd type="triangle"/>
+          </a:ln>
+        </p:spPr>
+        <p:style>
+          <a:lnRef idx="1">
+            <a:schemeClr val="dk1"/>
+          </a:lnRef>
+          <a:fillRef idx="0">
+            <a:schemeClr val="dk1"/>
+          </a:fillRef>
+          <a:effectRef idx="0">
+            <a:schemeClr val="dk1"/>
+          </a:effectRef>
+          <a:fontRef idx="minor">
+            <a:schemeClr val="tx1"/>
+          </a:fontRef>
+        </p:style>
+      </p:cxnSp>
+      <p:sp>
+        <p:nvSpPr>
+          <p:cNvPr id="61" name="Rounded Rectangle 60"/>
+          <p:cNvSpPr/>
+          <p:nvPr/>
+        </p:nvSpPr>
+        <p:spPr>
+          <a:xfrm>
+            <a:off x="6086042" y="4954379"/>
+            <a:ext cx="2466837" cy="1311078"/>
+          </a:xfrm>
+          <a:prstGeom prst="roundRect">
+            <a:avLst/>
+          </a:prstGeom>
+          <a:noFill/>
+          <a:ln>
+            <a:solidFill>
+              <a:schemeClr val="tx1"/>
+            </a:solidFill>
+          </a:ln>
+        </p:spPr>
+        <p:style>
+          <a:lnRef idx="2">
+            <a:schemeClr val="accent1">
+              <a:shade val="50000"/>
+            </a:schemeClr>
+          </a:lnRef>
+          <a:fillRef idx="1">
+            <a:schemeClr val="accent1"/>
+          </a:fillRef>
+          <a:effectRef idx="0">
+            <a:schemeClr val="accent1"/>
+          </a:effectRef>
+          <a:fontRef idx="minor">
+            <a:schemeClr val="lt1"/>
+          </a:fontRef>
+        </p:style>
+        <p:txBody>
+          <a:bodyPr rot="0" spcFirstLastPara="0" vertOverflow="overflow" horzOverflow="overflow" vert="horz" wrap="square" lIns="137160" tIns="68580" rIns="137160" bIns="68580" numCol="1" spcCol="0" rtlCol="0" fromWordArt="0" anchor="ctr" anchorCtr="0" forceAA="0" compatLnSpc="1">
+            <a:prstTxWarp prst="textNoShape">
+              <a:avLst/>
+            </a:prstTxWarp>
+            <a:noAutofit/>
+          </a:bodyPr>
+          <a:lstStyle/>
+          <a:p>
+            <a:pPr algn="ctr"/>
+            <a:endParaRPr lang="en-US" sz="2700"/>
+          </a:p>
+        </p:txBody>
+      </p:sp>
+      <p:sp>
+        <p:nvSpPr>
+          <p:cNvPr id="63" name="TextBox 62"/>
+          <p:cNvSpPr txBox="1"/>
+          <p:nvPr/>
+        </p:nvSpPr>
+        <p:spPr>
+          <a:xfrm>
+            <a:off x="6316618" y="4941140"/>
+            <a:ext cx="2206244" cy="553998"/>
+          </a:xfrm>
+          <a:prstGeom prst="rect">
+            <a:avLst/>
+          </a:prstGeom>
+          <a:noFill/>
+        </p:spPr>
+        <p:txBody>
+          <a:bodyPr wrap="square" rtlCol="0">
+            <a:spAutoFit/>
+          </a:bodyPr>
+          <a:lstStyle/>
+          <a:p>
+            <a:r>
+              <a:rPr lang="en-US" sz="1500" dirty="0" smtClean="0">
+                <a:latin typeface="Arial" panose="020B0604020202020204" pitchFamily="34" charset="0"/>
+                <a:cs typeface="Arial" panose="020B0604020202020204" pitchFamily="34" charset="0"/>
+              </a:rPr>
+              <a:t>Time series </a:t>
+            </a:r>
+            <a:r>
+              <a:rPr lang="en-US" sz="1500" smtClean="0">
+                <a:latin typeface="Arial" panose="020B0604020202020204" pitchFamily="34" charset="0"/>
+                <a:cs typeface="Arial" panose="020B0604020202020204" pitchFamily="34" charset="0"/>
+              </a:rPr>
+              <a:t>– Forum </a:t>
+            </a:r>
+            <a:r>
+              <a:rPr lang="en-US" sz="1500" dirty="0" smtClean="0">
+                <a:latin typeface="Arial" panose="020B0604020202020204" pitchFamily="34" charset="0"/>
+                <a:cs typeface="Arial" panose="020B0604020202020204" pitchFamily="34" charset="0"/>
+              </a:rPr>
+              <a:t>statistics</a:t>
+            </a:r>
+            <a:endParaRPr lang="en-US" sz="1500" dirty="0">
+              <a:latin typeface="Arial" panose="020B0604020202020204" pitchFamily="34" charset="0"/>
+              <a:cs typeface="Arial" panose="020B0604020202020204" pitchFamily="34" charset="0"/>
+            </a:endParaRPr>
+          </a:p>
+        </p:txBody>
+      </p:sp>
+      <p:pic>
+        <p:nvPicPr>
+          <p:cNvPr id="65" name="Picture 64"/>
+          <p:cNvPicPr>
+            <a:picLocks noChangeAspect="1"/>
+          </p:cNvPicPr>
+          <p:nvPr/>
+        </p:nvPicPr>
+        <p:blipFill>
+          <a:blip r:embed="rId6" cstate="print">
+            <a:extLst>
+              <a:ext uri="{28A0092B-C50C-407E-A947-70E740481C1C}">
+                <a14:useLocalDpi xmlns:a14="http://schemas.microsoft.com/office/drawing/2010/main" val="0"/>
+              </a:ext>
+            </a:extLst>
+          </a:blip>
+          <a:stretch>
+            <a:fillRect/>
+          </a:stretch>
+        </p:blipFill>
+        <p:spPr>
+          <a:xfrm>
+            <a:off x="6668780" y="5423771"/>
+            <a:ext cx="1116853" cy="744569"/>
+          </a:xfrm>
+          <a:prstGeom prst="rect">
+            <a:avLst/>
+          </a:prstGeom>
+        </p:spPr>
+      </p:pic>
+      <p:pic>
+        <p:nvPicPr>
+          <p:cNvPr id="66" name="Picture 65"/>
+          <p:cNvPicPr>
+            <a:picLocks noChangeAspect="1"/>
+          </p:cNvPicPr>
+          <p:nvPr/>
+        </p:nvPicPr>
+        <p:blipFill>
+          <a:blip r:embed="rId8" cstate="print">
+            <a:extLst>
+              <a:ext uri="{28A0092B-C50C-407E-A947-70E740481C1C}">
+                <a14:useLocalDpi xmlns:a14="http://schemas.microsoft.com/office/drawing/2010/main" val="0"/>
+              </a:ext>
+            </a:extLst>
+          </a:blip>
+          <a:stretch>
+            <a:fillRect/>
+          </a:stretch>
+        </p:blipFill>
+        <p:spPr>
+          <a:xfrm>
+            <a:off x="6859108" y="2257347"/>
+            <a:ext cx="1007685" cy="746249"/>
+          </a:xfrm>
+          <a:prstGeom prst="rect">
+            <a:avLst/>
+          </a:prstGeom>
+        </p:spPr>
+      </p:pic>
+      <p:cxnSp>
+        <p:nvCxnSpPr>
+          <p:cNvPr id="8" name="Elbow Connector 7"/>
+          <p:cNvCxnSpPr>
+            <a:endCxn id="66" idx="3"/>
+          </p:cNvCxnSpPr>
+          <p:nvPr/>
+        </p:nvCxnSpPr>
+        <p:spPr>
+          <a:xfrm rot="16200000" flipV="1">
+            <a:off x="7812174" y="2685091"/>
+            <a:ext cx="483620" cy="374382"/>
+          </a:xfrm>
+          <a:prstGeom prst="bentConnector2">
+            <a:avLst/>
+          </a:prstGeom>
+          <a:ln w="19050">
+            <a:tailEnd type="triangle"/>
+          </a:ln>
+        </p:spPr>
+        <p:style>
+          <a:lnRef idx="1">
+            <a:schemeClr val="dk1"/>
+          </a:lnRef>
+          <a:fillRef idx="0">
+            <a:schemeClr val="dk1"/>
+          </a:fillRef>
+          <a:effectRef idx="0">
+            <a:schemeClr val="dk1"/>
+          </a:effectRef>
+          <a:fontRef idx="minor">
+            <a:schemeClr val="tx1"/>
+          </a:fontRef>
+        </p:style>
+      </p:cxnSp>
+      <p:cxnSp>
+        <p:nvCxnSpPr>
+          <p:cNvPr id="86" name="Straight Arrow Connector 85"/>
+          <p:cNvCxnSpPr>
+            <a:stCxn id="92" idx="2"/>
+            <a:endCxn id="63" idx="0"/>
+          </p:cNvCxnSpPr>
+          <p:nvPr/>
+        </p:nvCxnSpPr>
+        <p:spPr>
+          <a:xfrm>
+            <a:off x="7401192" y="4132114"/>
+            <a:ext cx="18548" cy="809026"/>
+          </a:xfrm>
+          <a:prstGeom prst="straightConnector1">
+            <a:avLst/>
+          </a:prstGeom>
+          <a:ln w="28575">
+            <a:tailEnd type="triangle"/>
+          </a:ln>
+        </p:spPr>
+        <p:style>
+          <a:lnRef idx="1">
+            <a:schemeClr val="dk1"/>
+          </a:lnRef>
+          <a:fillRef idx="0">
+            <a:schemeClr val="dk1"/>
+          </a:fillRef>
+          <a:effectRef idx="0">
+            <a:schemeClr val="dk1"/>
+          </a:effectRef>
+          <a:fontRef idx="minor">
+            <a:schemeClr val="tx1"/>
+          </a:fontRef>
+        </p:style>
+      </p:cxnSp>
+      <p:cxnSp>
+        <p:nvCxnSpPr>
+          <p:cNvPr id="87" name="Straight Arrow Connector 86"/>
+          <p:cNvCxnSpPr/>
+          <p:nvPr/>
+        </p:nvCxnSpPr>
+        <p:spPr>
+          <a:xfrm flipV="1">
+            <a:off x="7386100" y="1917840"/>
+            <a:ext cx="0" cy="420566"/>
+          </a:xfrm>
+          <a:prstGeom prst="straightConnector1">
+            <a:avLst/>
+          </a:prstGeom>
+          <a:ln w="28575">
+            <a:tailEnd type="triangle"/>
+          </a:ln>
+        </p:spPr>
+        <p:style>
+          <a:lnRef idx="1">
+            <a:schemeClr val="dk1"/>
+          </a:lnRef>
+          <a:fillRef idx="0">
+            <a:schemeClr val="dk1"/>
+          </a:fillRef>
+          <a:effectRef idx="0">
+            <a:schemeClr val="dk1"/>
+          </a:effectRef>
+          <a:fontRef idx="minor">
+            <a:schemeClr val="tx1"/>
+          </a:fontRef>
+        </p:style>
+      </p:cxnSp>
+      <p:cxnSp>
+        <p:nvCxnSpPr>
+          <p:cNvPr id="4" name="Straight Arrow Connector 3"/>
+          <p:cNvCxnSpPr>
+            <a:stCxn id="27" idx="3"/>
+          </p:cNvCxnSpPr>
+          <p:nvPr/>
+        </p:nvCxnSpPr>
+        <p:spPr>
+          <a:xfrm>
+            <a:off x="4555201" y="2095643"/>
+            <a:ext cx="2303907" cy="370511"/>
+          </a:xfrm>
+          <a:prstGeom prst="straightConnector1">
+            <a:avLst/>
+          </a:prstGeom>
+          <a:ln w="19050">
             <a:tailEnd type="triangle"/>
           </a:ln>
         </p:spPr>
